--- a/lectures/lecture-on-assertion-evidence-format.pptx
+++ b/lectures/lecture-on-assertion-evidence-format.pptx
@@ -5,10 +5,10 @@
     <p:sldMasterId id="2147483648" r:id="rId1"/>
   </p:sldMasterIdLst>
   <p:notesMasterIdLst>
-    <p:notesMasterId r:id="rId35"/>
+    <p:notesMasterId r:id="rId34"/>
   </p:notesMasterIdLst>
   <p:handoutMasterIdLst>
-    <p:handoutMasterId r:id="rId36"/>
+    <p:handoutMasterId r:id="rId35"/>
   </p:handoutMasterIdLst>
   <p:sldIdLst>
     <p:sldId id="282" r:id="rId2"/>
@@ -19,31 +19,30 @@
     <p:sldId id="808" r:id="rId7"/>
     <p:sldId id="306" r:id="rId8"/>
     <p:sldId id="311" r:id="rId9"/>
-    <p:sldId id="462" r:id="rId10"/>
-    <p:sldId id="313" r:id="rId11"/>
-    <p:sldId id="329" r:id="rId12"/>
-    <p:sldId id="330" r:id="rId13"/>
-    <p:sldId id="319" r:id="rId14"/>
-    <p:sldId id="256" r:id="rId15"/>
-    <p:sldId id="341" r:id="rId16"/>
-    <p:sldId id="342" r:id="rId17"/>
-    <p:sldId id="258" r:id="rId18"/>
-    <p:sldId id="343" r:id="rId19"/>
-    <p:sldId id="344" r:id="rId20"/>
-    <p:sldId id="261" r:id="rId21"/>
-    <p:sldId id="309" r:id="rId22"/>
-    <p:sldId id="310" r:id="rId23"/>
-    <p:sldId id="262" r:id="rId24"/>
-    <p:sldId id="321" r:id="rId25"/>
-    <p:sldId id="264" r:id="rId26"/>
-    <p:sldId id="315" r:id="rId27"/>
-    <p:sldId id="265" r:id="rId28"/>
-    <p:sldId id="267" r:id="rId29"/>
-    <p:sldId id="324" r:id="rId30"/>
-    <p:sldId id="270" r:id="rId31"/>
-    <p:sldId id="323" r:id="rId32"/>
-    <p:sldId id="271" r:id="rId33"/>
-    <p:sldId id="810" r:id="rId34"/>
+    <p:sldId id="313" r:id="rId10"/>
+    <p:sldId id="329" r:id="rId11"/>
+    <p:sldId id="330" r:id="rId12"/>
+    <p:sldId id="319" r:id="rId13"/>
+    <p:sldId id="256" r:id="rId14"/>
+    <p:sldId id="341" r:id="rId15"/>
+    <p:sldId id="342" r:id="rId16"/>
+    <p:sldId id="258" r:id="rId17"/>
+    <p:sldId id="343" r:id="rId18"/>
+    <p:sldId id="344" r:id="rId19"/>
+    <p:sldId id="261" r:id="rId20"/>
+    <p:sldId id="309" r:id="rId21"/>
+    <p:sldId id="310" r:id="rId22"/>
+    <p:sldId id="262" r:id="rId23"/>
+    <p:sldId id="321" r:id="rId24"/>
+    <p:sldId id="264" r:id="rId25"/>
+    <p:sldId id="315" r:id="rId26"/>
+    <p:sldId id="265" r:id="rId27"/>
+    <p:sldId id="267" r:id="rId28"/>
+    <p:sldId id="324" r:id="rId29"/>
+    <p:sldId id="270" r:id="rId30"/>
+    <p:sldId id="323" r:id="rId31"/>
+    <p:sldId id="271" r:id="rId32"/>
+    <p:sldId id="810" r:id="rId33"/>
   </p:sldIdLst>
   <p:sldSz cx="9144000" cy="6858000" type="screen4x3"/>
   <p:notesSz cx="7315200" cy="9601200"/>
@@ -1434,7 +1433,7 @@
                 <a:latin typeface="+mn-lt"/>
               </a:rPr>
               <a:pPr algn="r" eaLnBrk="1" hangingPunct="1"/>
-              <a:t>11</a:t>
+              <a:t>10</a:t>
             </a:fld>
             <a:endParaRPr lang="en-US" sz="1200" b="0" dirty="0">
               <a:solidFill>
@@ -2033,7 +2032,7 @@
                 <a:latin typeface="+mn-lt"/>
               </a:rPr>
               <a:pPr algn="r" eaLnBrk="1" hangingPunct="1"/>
-              <a:t>12</a:t>
+              <a:t>11</a:t>
             </a:fld>
             <a:endParaRPr lang="en-US" sz="1200" b="0" dirty="0">
               <a:solidFill>
@@ -2238,7 +2237,7 @@
                   <a:spcPct val="0"/>
                 </a:spcAft>
               </a:pPr>
-              <a:t>13</a:t>
+              <a:t>12</a:t>
             </a:fld>
             <a:endParaRPr lang="en-US" altLang="en-US" sz="1200" b="0" dirty="0">
               <a:solidFill>
@@ -2585,7 +2584,7 @@
               <a:pPr>
                 <a:buSzPct val="25000"/>
               </a:pPr>
-              <a:t>14</a:t>
+              <a:t>13</a:t>
             </a:fld>
             <a:endParaRPr lang="en-US"/>
           </a:p>
@@ -3043,7 +3042,7 @@
                   <a:spcPct val="0"/>
                 </a:spcAft>
               </a:pPr>
-              <a:t>15</a:t>
+              <a:t>14</a:t>
             </a:fld>
             <a:endParaRPr lang="en-US" altLang="en-US" sz="1300" b="0">
               <a:solidFill>
@@ -3528,7 +3527,7 @@
                   <a:spcPct val="0"/>
                 </a:spcAft>
               </a:pPr>
-              <a:t>16</a:t>
+              <a:t>15</a:t>
             </a:fld>
             <a:endParaRPr lang="en-US" altLang="en-US" sz="1300" b="0">
               <a:solidFill>
@@ -3904,7 +3903,7 @@
               <a:pPr>
                 <a:buSzPct val="25000"/>
               </a:pPr>
-              <a:t>17</a:t>
+              <a:t>16</a:t>
             </a:fld>
             <a:endParaRPr lang="en-US"/>
           </a:p>
@@ -4295,7 +4294,7 @@
                   <a:spcPct val="0"/>
                 </a:spcAft>
               </a:pPr>
-              <a:t>18</a:t>
+              <a:t>17</a:t>
             </a:fld>
             <a:endParaRPr lang="en-US" altLang="en-US" sz="1300" b="0">
               <a:solidFill>
@@ -4729,7 +4728,7 @@
                 </a:solidFill>
               </a:rPr>
               <a:pPr eaLnBrk="1" hangingPunct="1"/>
-              <a:t>19</a:t>
+              <a:t>18</a:t>
             </a:fld>
             <a:endParaRPr lang="en-US" altLang="en-US" sz="1200" b="0">
               <a:solidFill>
@@ -5217,7 +5216,7 @@
               <a:pPr>
                 <a:buSzPct val="25000"/>
               </a:pPr>
-              <a:t>20</a:t>
+              <a:t>19</a:t>
             </a:fld>
             <a:endParaRPr lang="en-US"/>
           </a:p>
@@ -6268,7 +6267,7 @@
                 </a:spcAft>
                 <a:defRPr/>
               </a:pPr>
-              <a:t>21</a:t>
+              <a:t>20</a:t>
             </a:fld>
             <a:endParaRPr lang="en-US" sz="2500" b="1">
               <a:solidFill>
@@ -6590,7 +6589,7 @@
                 </a:spcAft>
                 <a:defRPr/>
               </a:pPr>
-              <a:t>22</a:t>
+              <a:t>21</a:t>
             </a:fld>
             <a:endParaRPr lang="en-US" dirty="0">
               <a:solidFill>
@@ -6667,7 +6666,7 @@
               <a:pPr>
                 <a:buSzPct val="25000"/>
               </a:pPr>
-              <a:t>23</a:t>
+              <a:t>22</a:t>
             </a:fld>
             <a:endParaRPr lang="en-US"/>
           </a:p>
@@ -7033,7 +7032,7 @@
                   <a:spcPct val="0"/>
                 </a:spcAft>
               </a:pPr>
-              <a:t>24</a:t>
+              <a:t>23</a:t>
             </a:fld>
             <a:endParaRPr lang="en-US" altLang="en-US" sz="1300" b="0">
               <a:solidFill>
@@ -7377,7 +7376,7 @@
               <a:pPr>
                 <a:buSzPct val="25000"/>
               </a:pPr>
-              <a:t>25</a:t>
+              <a:t>24</a:t>
             </a:fld>
             <a:endParaRPr lang="en-US"/>
           </a:p>
@@ -8112,7 +8111,7 @@
               <a:pPr>
                 <a:buSzPct val="25000"/>
               </a:pPr>
-              <a:t>27</a:t>
+              <a:t>26</a:t>
             </a:fld>
             <a:endParaRPr lang="en-US"/>
           </a:p>
@@ -8361,7 +8360,7 @@
               <a:pPr>
                 <a:buSzPct val="25000"/>
               </a:pPr>
-              <a:t>28</a:t>
+              <a:t>27</a:t>
             </a:fld>
             <a:endParaRPr lang="en-US"/>
           </a:p>
@@ -8778,7 +8777,7 @@
                   <a:spcPct val="0"/>
                 </a:spcAft>
               </a:pPr>
-              <a:t>29</a:t>
+              <a:t>28</a:t>
             </a:fld>
             <a:endParaRPr lang="en-US" altLang="en-US" sz="1300" b="0">
               <a:solidFill>
@@ -9131,7 +9130,7 @@
               <a:pPr>
                 <a:buSzPct val="25000"/>
               </a:pPr>
-              <a:t>30</a:t>
+              <a:t>29</a:t>
             </a:fld>
             <a:endParaRPr lang="en-US"/>
           </a:p>
@@ -10242,7 +10241,7 @@
                   <a:spcPct val="0"/>
                 </a:spcAft>
               </a:pPr>
-              <a:t>31</a:t>
+              <a:t>30</a:t>
             </a:fld>
             <a:endParaRPr lang="en-US" altLang="en-US" sz="1300" b="0">
               <a:solidFill>
@@ -10419,7 +10418,7 @@
                   <a:spcPct val="0"/>
                 </a:spcAft>
               </a:pPr>
-              <a:t>31</a:t>
+              <a:t>30</a:t>
             </a:fld>
             <a:endParaRPr lang="en-US" altLang="en-US" sz="1300" b="0">
               <a:solidFill>
@@ -10763,7 +10762,7 @@
               <a:pPr>
                 <a:buSzPct val="25000"/>
               </a:pPr>
-              <a:t>32</a:t>
+              <a:t>31</a:t>
             </a:fld>
             <a:endParaRPr lang="en-US"/>
           </a:p>
@@ -13972,7 +13971,7 @@
                   <a:spcPct val="0"/>
                 </a:spcAft>
               </a:pPr>
-              <a:t>10</a:t>
+              <a:t>9</a:t>
             </a:fld>
             <a:endParaRPr lang="en-US" sz="1200" b="0" dirty="0">
               <a:solidFill>
@@ -15318,554 +15317,6 @@
       </p:grpSpPr>
       <p:pic>
         <p:nvPicPr>
-          <p:cNvPr id="251906" name="Picture 6" descr="http://image.classictrucks.com/f/35771946/1103clt_14_o+1952_ford_f1+drivers_side.jpg"/>
-          <p:cNvPicPr>
-            <a:picLocks noChangeAspect="1" noChangeArrowheads="1"/>
-          </p:cNvPicPr>
-          <p:nvPr/>
-        </p:nvPicPr>
-        <p:blipFill>
-          <a:blip r:embed="rId3" cstate="print">
-            <a:extLst>
-              <a:ext uri="{28A0092B-C50C-407E-A947-70E740481C1C}">
-                <a14:useLocalDpi xmlns:a14="http://schemas.microsoft.com/office/drawing/2010/main" val="0"/>
-              </a:ext>
-            </a:extLst>
-          </a:blip>
-          <a:srcRect/>
-          <a:stretch>
-            <a:fillRect/>
-          </a:stretch>
-        </p:blipFill>
-        <p:spPr bwMode="auto">
-          <a:xfrm>
-            <a:off x="2895600" y="1600200"/>
-            <a:ext cx="1066800" cy="819150"/>
-          </a:xfrm>
-          <a:prstGeom prst="rect">
-            <a:avLst/>
-          </a:prstGeom>
-          <a:noFill/>
-          <a:ln w="9525">
-            <a:solidFill>
-              <a:srgbClr val="000000"/>
-            </a:solidFill>
-            <a:miter lim="800000"/>
-            <a:headEnd/>
-            <a:tailEnd/>
-          </a:ln>
-          <a:extLst>
-            <a:ext uri="{909E8E84-426E-40DD-AFC4-6F175D3DCCD1}">
-              <a14:hiddenFill xmlns:a14="http://schemas.microsoft.com/office/drawing/2010/main">
-                <a:solidFill>
-                  <a:srgbClr val="FFFFFF"/>
-                </a:solidFill>
-              </a14:hiddenFill>
-            </a:ext>
-          </a:extLst>
-        </p:spPr>
-      </p:pic>
-      <p:sp>
-        <p:nvSpPr>
-          <p:cNvPr id="251907" name="Line 72"/>
-          <p:cNvSpPr>
-            <a:spLocks noChangeShapeType="1"/>
-          </p:cNvSpPr>
-          <p:nvPr/>
-        </p:nvSpPr>
-        <p:spPr bwMode="auto">
-          <a:xfrm>
-            <a:off x="1104900" y="2152650"/>
-            <a:ext cx="9525" cy="3943350"/>
-          </a:xfrm>
-          <a:prstGeom prst="line">
-            <a:avLst/>
-          </a:prstGeom>
-          <a:noFill/>
-          <a:ln w="38100">
-            <a:solidFill>
-              <a:srgbClr val="000000"/>
-            </a:solidFill>
-            <a:round/>
-            <a:headEnd/>
-            <a:tailEnd type="triangle" w="med" len="med"/>
-          </a:ln>
-          <a:extLst>
-            <a:ext uri="{909E8E84-426E-40DD-AFC4-6F175D3DCCD1}">
-              <a14:hiddenFill xmlns:a14="http://schemas.microsoft.com/office/drawing/2010/main">
-                <a:noFill/>
-              </a14:hiddenFill>
-            </a:ext>
-          </a:extLst>
-        </p:spPr>
-        <p:txBody>
-          <a:bodyPr/>
-          <a:lstStyle/>
-          <a:p>
-            <a:pPr eaLnBrk="0" fontAlgn="base" hangingPunct="0">
-              <a:spcBef>
-                <a:spcPct val="0"/>
-              </a:spcBef>
-              <a:spcAft>
-                <a:spcPct val="0"/>
-              </a:spcAft>
-            </a:pPr>
-            <a:endParaRPr lang="en-US" sz="2400" b="1">
-              <a:solidFill>
-                <a:srgbClr val="000000"/>
-              </a:solidFill>
-              <a:latin typeface="Calibri" panose="020F0502020204030204" pitchFamily="34" charset="0"/>
-            </a:endParaRPr>
-          </a:p>
-        </p:txBody>
-      </p:sp>
-      <p:sp>
-        <p:nvSpPr>
-          <p:cNvPr id="251908" name="Title 1"/>
-          <p:cNvSpPr>
-            <a:spLocks noGrp="1"/>
-          </p:cNvSpPr>
-          <p:nvPr>
-            <p:ph type="title" idx="4294967295"/>
-          </p:nvPr>
-        </p:nvSpPr>
-        <p:spPr>
-          <a:xfrm>
-            <a:off x="65087" y="76200"/>
-            <a:ext cx="8926513" cy="954088"/>
-          </a:xfrm>
-          <a:prstGeom prst="rect">
-            <a:avLst/>
-          </a:prstGeom>
-        </p:spPr>
-        <p:txBody>
-          <a:bodyPr/>
-          <a:lstStyle/>
-          <a:p>
-            <a:pPr algn="l" eaLnBrk="1" hangingPunct="1"/>
-            <a:r>
-              <a:rPr lang="en-US" sz="2800" b="1" dirty="0">
-                <a:solidFill>
-                  <a:srgbClr val="000000"/>
-                </a:solidFill>
-                <a:latin typeface="Calibri" panose="020F0502020204030204" pitchFamily="34" charset="0"/>
-              </a:rPr>
-              <a:t>Since its construction in 1952, traffic across the bridge</a:t>
-            </a:r>
-            <a:br>
-              <a:rPr lang="en-US" sz="2800" b="1" dirty="0">
-                <a:solidFill>
-                  <a:srgbClr val="000000"/>
-                </a:solidFill>
-                <a:latin typeface="Calibri" panose="020F0502020204030204" pitchFamily="34" charset="0"/>
-              </a:rPr>
-            </a:br>
-            <a:r>
-              <a:rPr lang="en-US" sz="2800" b="1" dirty="0">
-                <a:solidFill>
-                  <a:srgbClr val="000000"/>
-                </a:solidFill>
-                <a:latin typeface="Calibri" panose="020F0502020204030204" pitchFamily="34" charset="0"/>
-              </a:rPr>
-              <a:t>has grown exponentially</a:t>
-            </a:r>
-          </a:p>
-        </p:txBody>
-      </p:sp>
-      <p:sp>
-        <p:nvSpPr>
-          <p:cNvPr id="251910" name="Text Box 59"/>
-          <p:cNvSpPr txBox="1">
-            <a:spLocks noChangeArrowheads="1"/>
-          </p:cNvSpPr>
-          <p:nvPr/>
-        </p:nvSpPr>
-        <p:spPr bwMode="auto">
-          <a:xfrm>
-            <a:off x="-4763" y="1609725"/>
-            <a:ext cx="2214563" cy="708025"/>
-          </a:xfrm>
-          <a:prstGeom prst="rect">
-            <a:avLst/>
-          </a:prstGeom>
-          <a:solidFill>
-            <a:schemeClr val="bg1"/>
-          </a:solidFill>
-          <a:ln>
-            <a:noFill/>
-          </a:ln>
-        </p:spPr>
-        <p:txBody>
-          <a:bodyPr wrap="none">
-            <a:spAutoFit/>
-          </a:bodyPr>
-          <a:lstStyle>
-            <a:lvl1pPr eaLnBrk="0" hangingPunct="0">
-              <a:defRPr sz="2000" b="1">
-                <a:solidFill>
-                  <a:schemeClr val="tx1"/>
-                </a:solidFill>
-                <a:latin typeface="Calibri" pitchFamily="34" charset="0"/>
-              </a:defRPr>
-            </a:lvl1pPr>
-            <a:lvl2pPr marL="742950" indent="-285750" eaLnBrk="0" hangingPunct="0">
-              <a:defRPr sz="2000" b="1">
-                <a:solidFill>
-                  <a:schemeClr val="tx1"/>
-                </a:solidFill>
-                <a:latin typeface="Calibri" pitchFamily="34" charset="0"/>
-              </a:defRPr>
-            </a:lvl2pPr>
-            <a:lvl3pPr marL="1143000" indent="-228600" eaLnBrk="0" hangingPunct="0">
-              <a:defRPr sz="2000" b="1">
-                <a:solidFill>
-                  <a:schemeClr val="tx1"/>
-                </a:solidFill>
-                <a:latin typeface="Calibri" pitchFamily="34" charset="0"/>
-              </a:defRPr>
-            </a:lvl3pPr>
-            <a:lvl4pPr marL="1600200" indent="-228600" eaLnBrk="0" hangingPunct="0">
-              <a:defRPr sz="2000" b="1">
-                <a:solidFill>
-                  <a:schemeClr val="tx1"/>
-                </a:solidFill>
-                <a:latin typeface="Calibri" pitchFamily="34" charset="0"/>
-              </a:defRPr>
-            </a:lvl4pPr>
-            <a:lvl5pPr marL="2057400" indent="-228600" eaLnBrk="0" hangingPunct="0">
-              <a:defRPr sz="2000" b="1">
-                <a:solidFill>
-                  <a:schemeClr val="tx1"/>
-                </a:solidFill>
-                <a:latin typeface="Calibri" pitchFamily="34" charset="0"/>
-              </a:defRPr>
-            </a:lvl5pPr>
-            <a:lvl6pPr marL="2514600" indent="-228600" eaLnBrk="0" fontAlgn="base" hangingPunct="0">
-              <a:spcBef>
-                <a:spcPct val="0"/>
-              </a:spcBef>
-              <a:spcAft>
-                <a:spcPct val="0"/>
-              </a:spcAft>
-              <a:defRPr sz="2000" b="1">
-                <a:solidFill>
-                  <a:schemeClr val="tx1"/>
-                </a:solidFill>
-                <a:latin typeface="Calibri" pitchFamily="34" charset="0"/>
-              </a:defRPr>
-            </a:lvl6pPr>
-            <a:lvl7pPr marL="2971800" indent="-228600" eaLnBrk="0" fontAlgn="base" hangingPunct="0">
-              <a:spcBef>
-                <a:spcPct val="0"/>
-              </a:spcBef>
-              <a:spcAft>
-                <a:spcPct val="0"/>
-              </a:spcAft>
-              <a:defRPr sz="2000" b="1">
-                <a:solidFill>
-                  <a:schemeClr val="tx1"/>
-                </a:solidFill>
-                <a:latin typeface="Calibri" pitchFamily="34" charset="0"/>
-              </a:defRPr>
-            </a:lvl7pPr>
-            <a:lvl8pPr marL="3429000" indent="-228600" eaLnBrk="0" fontAlgn="base" hangingPunct="0">
-              <a:spcBef>
-                <a:spcPct val="0"/>
-              </a:spcBef>
-              <a:spcAft>
-                <a:spcPct val="0"/>
-              </a:spcAft>
-              <a:defRPr sz="2000" b="1">
-                <a:solidFill>
-                  <a:schemeClr val="tx1"/>
-                </a:solidFill>
-                <a:latin typeface="Calibri" pitchFamily="34" charset="0"/>
-              </a:defRPr>
-            </a:lvl8pPr>
-            <a:lvl9pPr marL="3886200" indent="-228600" eaLnBrk="0" fontAlgn="base" hangingPunct="0">
-              <a:spcBef>
-                <a:spcPct val="0"/>
-              </a:spcBef>
-              <a:spcAft>
-                <a:spcPct val="0"/>
-              </a:spcAft>
-              <a:defRPr sz="2000" b="1">
-                <a:solidFill>
-                  <a:schemeClr val="tx1"/>
-                </a:solidFill>
-                <a:latin typeface="Calibri" pitchFamily="34" charset="0"/>
-              </a:defRPr>
-            </a:lvl9pPr>
-          </a:lstStyle>
-          <a:p>
-            <a:pPr algn="ctr" eaLnBrk="1" fontAlgn="base" hangingPunct="1">
-              <a:spcBef>
-                <a:spcPct val="0"/>
-              </a:spcBef>
-              <a:spcAft>
-                <a:spcPct val="0"/>
-              </a:spcAft>
-            </a:pPr>
-            <a:r>
-              <a:rPr lang="en-US">
-                <a:solidFill>
-                  <a:srgbClr val="000000"/>
-                </a:solidFill>
-              </a:rPr>
-              <a:t>1952</a:t>
-            </a:r>
-          </a:p>
-          <a:p>
-            <a:pPr algn="ctr" eaLnBrk="1" fontAlgn="base" hangingPunct="1">
-              <a:spcBef>
-                <a:spcPct val="0"/>
-              </a:spcBef>
-              <a:spcAft>
-                <a:spcPct val="0"/>
-              </a:spcAft>
-            </a:pPr>
-            <a:r>
-              <a:rPr lang="en-US">
-                <a:solidFill>
-                  <a:srgbClr val="000000"/>
-                </a:solidFill>
-              </a:rPr>
-              <a:t>1.1 million vehicles</a:t>
-            </a:r>
-          </a:p>
-        </p:txBody>
-      </p:sp>
-      <p:pic>
-        <p:nvPicPr>
-          <p:cNvPr id="251911" name="Picture 6" descr="http://image.classictrucks.com/f/35771946/1103clt_14_o+1952_ford_f1+drivers_side.jpg"/>
-          <p:cNvPicPr>
-            <a:picLocks noChangeAspect="1" noChangeArrowheads="1"/>
-          </p:cNvPicPr>
-          <p:nvPr/>
-        </p:nvPicPr>
-        <p:blipFill>
-          <a:blip r:embed="rId4" cstate="print">
-            <a:extLst>
-              <a:ext uri="{28A0092B-C50C-407E-A947-70E740481C1C}">
-                <a14:useLocalDpi xmlns:a14="http://schemas.microsoft.com/office/drawing/2010/main" val="0"/>
-              </a:ext>
-            </a:extLst>
-          </a:blip>
-          <a:srcRect/>
-          <a:stretch>
-            <a:fillRect/>
-          </a:stretch>
-        </p:blipFill>
-        <p:spPr bwMode="auto">
-          <a:xfrm>
-            <a:off x="4114800" y="1600200"/>
-            <a:ext cx="85725" cy="819150"/>
-          </a:xfrm>
-          <a:prstGeom prst="rect">
-            <a:avLst/>
-          </a:prstGeom>
-          <a:noFill/>
-          <a:ln>
-            <a:noFill/>
-          </a:ln>
-          <a:extLst>
-            <a:ext uri="{909E8E84-426E-40DD-AFC4-6F175D3DCCD1}">
-              <a14:hiddenFill xmlns:a14="http://schemas.microsoft.com/office/drawing/2010/main">
-                <a:solidFill>
-                  <a:srgbClr val="FFFFFF"/>
-                </a:solidFill>
-              </a14:hiddenFill>
-            </a:ext>
-            <a:ext uri="{91240B29-F687-4F45-9708-019B960494DF}">
-              <a14:hiddenLine xmlns:a14="http://schemas.microsoft.com/office/drawing/2010/main" w="9525">
-                <a:solidFill>
-                  <a:srgbClr val="000000"/>
-                </a:solidFill>
-                <a:miter lim="800000"/>
-                <a:headEnd/>
-                <a:tailEnd/>
-              </a14:hiddenLine>
-            </a:ext>
-          </a:extLst>
-        </p:spPr>
-      </p:pic>
-      <p:pic>
-        <p:nvPicPr>
-          <p:cNvPr id="251913" name="Picture 8" descr="Bay Bridge"/>
-          <p:cNvPicPr>
-            <a:picLocks noChangeAspect="1" noChangeArrowheads="1"/>
-          </p:cNvPicPr>
-          <p:nvPr/>
-        </p:nvPicPr>
-        <p:blipFill>
-          <a:blip r:embed="rId5" cstate="print">
-            <a:extLst>
-              <a:ext uri="{28A0092B-C50C-407E-A947-70E740481C1C}">
-                <a14:useLocalDpi xmlns:a14="http://schemas.microsoft.com/office/drawing/2010/main" val="0"/>
-              </a:ext>
-            </a:extLst>
-          </a:blip>
-          <a:srcRect/>
-          <a:stretch>
-            <a:fillRect/>
-          </a:stretch>
-        </p:blipFill>
-        <p:spPr bwMode="auto">
-          <a:xfrm>
-            <a:off x="5081588" y="3290888"/>
-            <a:ext cx="3367087" cy="2643187"/>
-          </a:xfrm>
-          <a:prstGeom prst="rect">
-            <a:avLst/>
-          </a:prstGeom>
-          <a:noFill/>
-          <a:ln w="9525">
-            <a:solidFill>
-              <a:srgbClr val="000000"/>
-            </a:solidFill>
-            <a:miter lim="800000"/>
-            <a:headEnd/>
-            <a:tailEnd/>
-          </a:ln>
-          <a:extLst>
-            <a:ext uri="{909E8E84-426E-40DD-AFC4-6F175D3DCCD1}">
-              <a14:hiddenFill xmlns:a14="http://schemas.microsoft.com/office/drawing/2010/main">
-                <a:solidFill>
-                  <a:srgbClr val="FFFFFF"/>
-                </a:solidFill>
-              </a14:hiddenFill>
-            </a:ext>
-          </a:extLst>
-        </p:spPr>
-      </p:pic>
-      <p:sp>
-        <p:nvSpPr>
-          <p:cNvPr id="12" name="Rectangle 64"/>
-          <p:cNvSpPr>
-            <a:spLocks noChangeArrowheads="1"/>
-          </p:cNvSpPr>
-          <p:nvPr/>
-        </p:nvSpPr>
-        <p:spPr bwMode="auto">
-          <a:xfrm>
-            <a:off x="2590800" y="6553200"/>
-            <a:ext cx="3352800" cy="304800"/>
-          </a:xfrm>
-          <a:prstGeom prst="rect">
-            <a:avLst/>
-          </a:prstGeom>
-          <a:noFill/>
-          <a:ln>
-            <a:noFill/>
-          </a:ln>
-          <a:extLst>
-            <a:ext uri="{909E8E84-426E-40DD-AFC4-6F175D3DCCD1}">
-              <a14:hiddenFill xmlns:a14="http://schemas.microsoft.com/office/drawing/2010/main">
-                <a:solidFill>
-                  <a:srgbClr val="FFFFFF"/>
-                </a:solidFill>
-              </a14:hiddenFill>
-            </a:ext>
-            <a:ext uri="{91240B29-F687-4F45-9708-019B960494DF}">
-              <a14:hiddenLine xmlns:a14="http://schemas.microsoft.com/office/drawing/2010/main" w="9525">
-                <a:solidFill>
-                  <a:srgbClr val="000000"/>
-                </a:solidFill>
-                <a:miter lim="800000"/>
-                <a:headEnd/>
-                <a:tailEnd/>
-              </a14:hiddenLine>
-            </a:ext>
-          </a:extLst>
-        </p:spPr>
-        <p:txBody>
-          <a:bodyPr wrap="none">
-            <a:spAutoFit/>
-          </a:bodyPr>
-          <a:lstStyle/>
-          <a:p>
-            <a:pPr algn="r"/>
-            <a:r>
-              <a:rPr lang="en-US" sz="1400" b="0" dirty="0"/>
-              <a:t>[Maryland Transportation Authority, 2007]</a:t>
-            </a:r>
-          </a:p>
-        </p:txBody>
-      </p:sp>
-      <p:sp>
-        <p:nvSpPr>
-          <p:cNvPr id="9" name="Rectangle 8"/>
-          <p:cNvSpPr/>
-          <p:nvPr/>
-        </p:nvSpPr>
-        <p:spPr>
-          <a:xfrm>
-            <a:off x="0" y="0"/>
-            <a:ext cx="9144000" cy="6858000"/>
-          </a:xfrm>
-          <a:prstGeom prst="rect">
-            <a:avLst/>
-          </a:prstGeom>
-          <a:noFill/>
-          <a:ln w="28575"/>
-        </p:spPr>
-        <p:style>
-          <a:lnRef idx="2">
-            <a:schemeClr val="accent1">
-              <a:shade val="50000"/>
-            </a:schemeClr>
-          </a:lnRef>
-          <a:fillRef idx="1">
-            <a:schemeClr val="accent1"/>
-          </a:fillRef>
-          <a:effectRef idx="0">
-            <a:schemeClr val="accent1"/>
-          </a:effectRef>
-          <a:fontRef idx="minor">
-            <a:schemeClr val="lt1"/>
-          </a:fontRef>
-        </p:style>
-        <p:txBody>
-          <a:bodyPr rtlCol="0" anchor="ctr"/>
-          <a:lstStyle/>
-          <a:p>
-            <a:pPr algn="ctr"/>
-            <a:endParaRPr lang="en-US"/>
-          </a:p>
-        </p:txBody>
-      </p:sp>
-    </p:spTree>
-    <p:extLst>
-      <p:ext uri="{BB962C8B-B14F-4D97-AF65-F5344CB8AC3E}">
-        <p14:creationId xmlns:p14="http://schemas.microsoft.com/office/powerpoint/2010/main" val="2322161148"/>
-      </p:ext>
-    </p:extLst>
-  </p:cSld>
-  <p:clrMapOvr>
-    <a:masterClrMapping/>
-  </p:clrMapOvr>
-</p:sld>
-</file>
-
-<file path=ppt/slides/slide11.xml><?xml version="1.0" encoding="utf-8"?>
-<p:sld xmlns:a="http://schemas.openxmlformats.org/drawingml/2006/main" xmlns:r="http://schemas.openxmlformats.org/officeDocument/2006/relationships" xmlns:p="http://schemas.openxmlformats.org/presentationml/2006/main">
-  <p:cSld>
-    <p:spTree>
-      <p:nvGrpSpPr>
-        <p:cNvPr id="1" name=""/>
-        <p:cNvGrpSpPr/>
-        <p:nvPr/>
-      </p:nvGrpSpPr>
-      <p:grpSpPr>
-        <a:xfrm>
-          <a:off x="0" y="0"/>
-          <a:ext cx="0" cy="0"/>
-          <a:chOff x="0" y="0"/>
-          <a:chExt cx="0" cy="0"/>
-        </a:xfrm>
-      </p:grpSpPr>
-      <p:pic>
-        <p:nvPicPr>
           <p:cNvPr id="252930" name="Picture 10" descr="http://musclecargarageusa.com/wp-content/uploads/2010/04/61-Impala-Above-Front-Angle-BEST.jpg"/>
           <p:cNvPicPr>
             <a:picLocks noChangeAspect="1" noChangeArrowheads="1"/>
@@ -16491,7 +15942,7 @@
 </p:sld>
 </file>
 
-<file path=ppt/slides/slide12.xml><?xml version="1.0" encoding="utf-8"?>
+<file path=ppt/slides/slide11.xml><?xml version="1.0" encoding="utf-8"?>
 <p:sld xmlns:a="http://schemas.openxmlformats.org/drawingml/2006/main" xmlns:r="http://schemas.openxmlformats.org/officeDocument/2006/relationships" xmlns:p="http://schemas.openxmlformats.org/presentationml/2006/main">
   <p:cSld>
     <p:spTree>
@@ -18633,7 +18084,7 @@
 </p:sld>
 </file>
 
-<file path=ppt/slides/slide13.xml><?xml version="1.0" encoding="utf-8"?>
+<file path=ppt/slides/slide12.xml><?xml version="1.0" encoding="utf-8"?>
 <p:sld xmlns:a="http://schemas.openxmlformats.org/drawingml/2006/main" xmlns:r="http://schemas.openxmlformats.org/officeDocument/2006/relationships" xmlns:p="http://schemas.openxmlformats.org/presentationml/2006/main">
   <p:cSld>
     <p:spTree>
@@ -19445,7 +18896,7 @@
 </p:sld>
 </file>
 
-<file path=ppt/slides/slide14.xml><?xml version="1.0" encoding="utf-8"?>
+<file path=ppt/slides/slide13.xml><?xml version="1.0" encoding="utf-8"?>
 <p:sld xmlns:a="http://schemas.openxmlformats.org/drawingml/2006/main" xmlns:r="http://schemas.openxmlformats.org/officeDocument/2006/relationships" xmlns:p="http://schemas.openxmlformats.org/presentationml/2006/main">
   <p:cSld>
     <p:spTree>
@@ -19934,7 +19385,7 @@
 </p:sld>
 </file>
 
-<file path=ppt/slides/slide15.xml><?xml version="1.0" encoding="utf-8"?>
+<file path=ppt/slides/slide14.xml><?xml version="1.0" encoding="utf-8"?>
 <p:sld xmlns:a="http://schemas.openxmlformats.org/drawingml/2006/main" xmlns:r="http://schemas.openxmlformats.org/officeDocument/2006/relationships" xmlns:p="http://schemas.openxmlformats.org/presentationml/2006/main">
   <p:cSld>
     <p:spTree>
@@ -20521,7 +19972,7 @@
 </p:sld>
 </file>
 
-<file path=ppt/slides/slide16.xml><?xml version="1.0" encoding="utf-8"?>
+<file path=ppt/slides/slide15.xml><?xml version="1.0" encoding="utf-8"?>
 <p:sld xmlns:a="http://schemas.openxmlformats.org/drawingml/2006/main" xmlns:r="http://schemas.openxmlformats.org/officeDocument/2006/relationships" xmlns:p="http://schemas.openxmlformats.org/presentationml/2006/main">
   <p:cSld>
     <p:spTree>
@@ -22211,7 +21662,7 @@
 </p:sld>
 </file>
 
-<file path=ppt/slides/slide17.xml><?xml version="1.0" encoding="utf-8"?>
+<file path=ppt/slides/slide16.xml><?xml version="1.0" encoding="utf-8"?>
 <p:sld xmlns:a="http://schemas.openxmlformats.org/drawingml/2006/main" xmlns:r="http://schemas.openxmlformats.org/officeDocument/2006/relationships" xmlns:p="http://schemas.openxmlformats.org/presentationml/2006/main">
   <p:cSld>
     <p:spTree>
@@ -22659,7 +22110,7 @@
 </p:sld>
 </file>
 
-<file path=ppt/slides/slide18.xml><?xml version="1.0" encoding="utf-8"?>
+<file path=ppt/slides/slide17.xml><?xml version="1.0" encoding="utf-8"?>
 <p:sld xmlns:a="http://schemas.openxmlformats.org/drawingml/2006/main" xmlns:r="http://schemas.openxmlformats.org/officeDocument/2006/relationships" xmlns:p="http://schemas.openxmlformats.org/presentationml/2006/main">
   <p:cSld>
     <p:spTree>
@@ -23225,7 +22676,7 @@
 </p:sld>
 </file>
 
-<file path=ppt/slides/slide19.xml><?xml version="1.0" encoding="utf-8"?>
+<file path=ppt/slides/slide18.xml><?xml version="1.0" encoding="utf-8"?>
 <p:sld xmlns:a="http://schemas.openxmlformats.org/drawingml/2006/main" xmlns:r="http://schemas.openxmlformats.org/officeDocument/2006/relationships" xmlns:p="http://schemas.openxmlformats.org/presentationml/2006/main">
   <p:cSld>
     <p:spTree>
@@ -24759,6 +24210,308 @@
 </p:sld>
 </file>
 
+<file path=ppt/slides/slide19.xml><?xml version="1.0" encoding="utf-8"?>
+<p:sld xmlns:a="http://schemas.openxmlformats.org/drawingml/2006/main" xmlns:r="http://schemas.openxmlformats.org/officeDocument/2006/relationships" xmlns:p="http://schemas.openxmlformats.org/presentationml/2006/main">
+  <p:cSld>
+    <p:spTree>
+      <p:nvGrpSpPr>
+        <p:cNvPr id="1" name="Shape 82"/>
+        <p:cNvGrpSpPr/>
+        <p:nvPr/>
+      </p:nvGrpSpPr>
+      <p:grpSpPr>
+        <a:xfrm>
+          <a:off x="0" y="0"/>
+          <a:ext cx="0" cy="0"/>
+          <a:chOff x="0" y="0"/>
+          <a:chExt cx="0" cy="0"/>
+        </a:xfrm>
+      </p:grpSpPr>
+      <p:sp>
+        <p:nvSpPr>
+          <p:cNvPr id="84" name="Shape 84"/>
+          <p:cNvSpPr/>
+          <p:nvPr/>
+        </p:nvSpPr>
+        <p:spPr>
+          <a:xfrm>
+            <a:off x="152400" y="4957762"/>
+            <a:ext cx="8001000" cy="592800"/>
+          </a:xfrm>
+          <a:prstGeom prst="rect">
+            <a:avLst/>
+          </a:prstGeom>
+          <a:noFill/>
+          <a:ln>
+            <a:noFill/>
+          </a:ln>
+        </p:spPr>
+        <p:txBody>
+          <a:bodyPr lIns="63500" tIns="25400" rIns="63500" bIns="25400" anchor="t" anchorCtr="0">
+            <a:noAutofit/>
+          </a:bodyPr>
+          <a:lstStyle/>
+          <a:p>
+            <a:pPr>
+              <a:buSzPct val="25000"/>
+            </a:pPr>
+            <a:r>
+              <a:rPr lang="en-US" sz="2400">
+                <a:solidFill>
+                  <a:srgbClr val="262626"/>
+                </a:solidFill>
+                <a:latin typeface="Calibri"/>
+                <a:ea typeface="Calibri"/>
+                <a:cs typeface="Calibri"/>
+                <a:sym typeface="Calibri"/>
+              </a:rPr>
+              <a:t>If necessary, identify key assumption or background for audience—keep to two lines (18–24 point type)</a:t>
+            </a:r>
+          </a:p>
+        </p:txBody>
+      </p:sp>
+      <p:sp>
+        <p:nvSpPr>
+          <p:cNvPr id="85" name="Shape 85"/>
+          <p:cNvSpPr/>
+          <p:nvPr/>
+        </p:nvSpPr>
+        <p:spPr>
+          <a:xfrm>
+            <a:off x="228601" y="2062162"/>
+            <a:ext cx="8305799" cy="2681400"/>
+          </a:xfrm>
+          <a:prstGeom prst="rect">
+            <a:avLst/>
+          </a:prstGeom>
+          <a:solidFill>
+            <a:srgbClr val="262626"/>
+          </a:solidFill>
+          <a:ln w="9525" cap="flat">
+            <a:solidFill>
+              <a:srgbClr val="000000"/>
+            </a:solidFill>
+            <a:prstDash val="solid"/>
+            <a:miter/>
+            <a:headEnd type="none" w="med" len="med"/>
+            <a:tailEnd type="none" w="med" len="med"/>
+          </a:ln>
+        </p:spPr>
+        <p:txBody>
+          <a:bodyPr lIns="91425" tIns="45700" rIns="91425" bIns="45700" anchor="ctr" anchorCtr="0">
+            <a:noAutofit/>
+          </a:bodyPr>
+          <a:lstStyle/>
+          <a:p>
+            <a:pPr algn="ctr"/>
+            <a:endParaRPr sz="2400">
+              <a:solidFill>
+                <a:schemeClr val="lt1"/>
+              </a:solidFill>
+              <a:latin typeface="Calibri"/>
+              <a:ea typeface="Calibri"/>
+              <a:cs typeface="Calibri"/>
+              <a:sym typeface="Calibri"/>
+            </a:endParaRPr>
+          </a:p>
+          <a:p>
+            <a:pPr algn="ctr"/>
+            <a:endParaRPr sz="2400">
+              <a:solidFill>
+                <a:schemeClr val="lt1"/>
+              </a:solidFill>
+              <a:latin typeface="Calibri"/>
+              <a:ea typeface="Calibri"/>
+              <a:cs typeface="Calibri"/>
+              <a:sym typeface="Calibri"/>
+            </a:endParaRPr>
+          </a:p>
+          <a:p>
+            <a:pPr algn="ctr">
+              <a:buSzPct val="25000"/>
+            </a:pPr>
+            <a:r>
+              <a:rPr lang="en-US" sz="3600">
+                <a:solidFill>
+                  <a:schemeClr val="lt1"/>
+                </a:solidFill>
+                <a:latin typeface="Calibri"/>
+                <a:ea typeface="Calibri"/>
+                <a:cs typeface="Calibri"/>
+                <a:sym typeface="Calibri"/>
+              </a:rPr>
+              <a:t>Image(s)</a:t>
+            </a:r>
+          </a:p>
+          <a:p>
+            <a:pPr algn="ctr">
+              <a:buSzPct val="25000"/>
+            </a:pPr>
+            <a:r>
+              <a:rPr lang="en-US" sz="3600">
+                <a:solidFill>
+                  <a:schemeClr val="lt1"/>
+                </a:solidFill>
+                <a:latin typeface="Calibri"/>
+                <a:ea typeface="Calibri"/>
+                <a:cs typeface="Calibri"/>
+                <a:sym typeface="Calibri"/>
+              </a:rPr>
+              <a:t>supporting </a:t>
+            </a:r>
+            <a:br>
+              <a:rPr lang="en-US" sz="3600">
+                <a:solidFill>
+                  <a:schemeClr val="lt1"/>
+                </a:solidFill>
+                <a:latin typeface="Calibri"/>
+                <a:ea typeface="Calibri"/>
+                <a:cs typeface="Calibri"/>
+                <a:sym typeface="Calibri"/>
+              </a:rPr>
+            </a:br>
+            <a:r>
+              <a:rPr lang="en-US" sz="3600">
+                <a:solidFill>
+                  <a:schemeClr val="lt1"/>
+                </a:solidFill>
+                <a:latin typeface="Calibri"/>
+                <a:ea typeface="Calibri"/>
+                <a:cs typeface="Calibri"/>
+                <a:sym typeface="Calibri"/>
+              </a:rPr>
+              <a:t>above assertion</a:t>
+            </a:r>
+          </a:p>
+          <a:p>
+            <a:pPr algn="ctr"/>
+            <a:endParaRPr sz="2400">
+              <a:solidFill>
+                <a:schemeClr val="lt1"/>
+              </a:solidFill>
+              <a:latin typeface="Calibri"/>
+              <a:ea typeface="Calibri"/>
+              <a:cs typeface="Calibri"/>
+              <a:sym typeface="Calibri"/>
+            </a:endParaRPr>
+          </a:p>
+          <a:p>
+            <a:pPr algn="ctr"/>
+            <a:endParaRPr sz="2400">
+              <a:solidFill>
+                <a:schemeClr val="lt1"/>
+              </a:solidFill>
+              <a:latin typeface="Calibri"/>
+              <a:ea typeface="Calibri"/>
+              <a:cs typeface="Calibri"/>
+              <a:sym typeface="Calibri"/>
+            </a:endParaRPr>
+          </a:p>
+          <a:p>
+            <a:pPr algn="ctr"/>
+            <a:endParaRPr sz="2400">
+              <a:solidFill>
+                <a:schemeClr val="lt1"/>
+              </a:solidFill>
+              <a:latin typeface="Calibri"/>
+              <a:ea typeface="Calibri"/>
+              <a:cs typeface="Calibri"/>
+              <a:sym typeface="Calibri"/>
+            </a:endParaRPr>
+          </a:p>
+        </p:txBody>
+      </p:sp>
+      <p:sp>
+        <p:nvSpPr>
+          <p:cNvPr id="86" name="Shape 86"/>
+          <p:cNvSpPr txBox="1"/>
+          <p:nvPr/>
+        </p:nvSpPr>
+        <p:spPr>
+          <a:xfrm>
+            <a:off x="288925" y="902493"/>
+            <a:ext cx="184200" cy="297600"/>
+          </a:xfrm>
+          <a:prstGeom prst="rect">
+            <a:avLst/>
+          </a:prstGeom>
+          <a:noFill/>
+          <a:ln>
+            <a:noFill/>
+          </a:ln>
+        </p:spPr>
+        <p:txBody>
+          <a:bodyPr lIns="91425" tIns="45700" rIns="91425" bIns="45700" anchor="t" anchorCtr="0">
+            <a:noAutofit/>
+          </a:bodyPr>
+          <a:lstStyle/>
+          <a:p>
+            <a:endParaRPr>
+              <a:solidFill>
+                <a:schemeClr val="dk1"/>
+              </a:solidFill>
+              <a:latin typeface="Calibri"/>
+              <a:ea typeface="Calibri"/>
+              <a:cs typeface="Calibri"/>
+              <a:sym typeface="Calibri"/>
+            </a:endParaRPr>
+          </a:p>
+        </p:txBody>
+      </p:sp>
+      <p:sp>
+        <p:nvSpPr>
+          <p:cNvPr id="87" name="Shape 87"/>
+          <p:cNvSpPr txBox="1"/>
+          <p:nvPr/>
+        </p:nvSpPr>
+        <p:spPr>
+          <a:xfrm>
+            <a:off x="76200" y="914400"/>
+            <a:ext cx="8997900" cy="861774"/>
+          </a:xfrm>
+          <a:prstGeom prst="rect">
+            <a:avLst/>
+          </a:prstGeom>
+          <a:noFill/>
+          <a:ln>
+            <a:noFill/>
+          </a:ln>
+        </p:spPr>
+        <p:txBody>
+          <a:bodyPr lIns="0" tIns="0" rIns="0" bIns="0" anchor="t" anchorCtr="0">
+            <a:spAutoFit/>
+          </a:bodyPr>
+          <a:lstStyle/>
+          <a:p>
+            <a:pPr>
+              <a:buSzPct val="25000"/>
+            </a:pPr>
+            <a:r>
+              <a:rPr lang="en-US" sz="2800" b="1" dirty="0">
+                <a:solidFill>
+                  <a:srgbClr val="000000"/>
+                </a:solidFill>
+                <a:latin typeface="Calibri"/>
+                <a:ea typeface="Calibri"/>
+                <a:cs typeface="Calibri"/>
+                <a:sym typeface="Calibri"/>
+              </a:rPr>
+              <a:t>This sentence headline makes an assertion on the first topic in no more than two lines</a:t>
+            </a:r>
+          </a:p>
+        </p:txBody>
+      </p:sp>
+    </p:spTree>
+  </p:cSld>
+  <p:clrMapOvr>
+    <a:masterClrMapping/>
+  </p:clrMapOvr>
+  <p:transition spd="slow">
+    <p:cut/>
+  </p:transition>
+</p:sld>
+</file>
+
 <file path=ppt/slides/slide2.xml><?xml version="1.0" encoding="utf-8"?>
 <p:sld xmlns:a="http://schemas.openxmlformats.org/drawingml/2006/main" xmlns:r="http://schemas.openxmlformats.org/officeDocument/2006/relationships" xmlns:p="http://schemas.openxmlformats.org/presentationml/2006/main">
   <p:cSld>
@@ -25195,308 +24948,6 @@
 </file>
 
 <file path=ppt/slides/slide20.xml><?xml version="1.0" encoding="utf-8"?>
-<p:sld xmlns:a="http://schemas.openxmlformats.org/drawingml/2006/main" xmlns:r="http://schemas.openxmlformats.org/officeDocument/2006/relationships" xmlns:p="http://schemas.openxmlformats.org/presentationml/2006/main">
-  <p:cSld>
-    <p:spTree>
-      <p:nvGrpSpPr>
-        <p:cNvPr id="1" name="Shape 82"/>
-        <p:cNvGrpSpPr/>
-        <p:nvPr/>
-      </p:nvGrpSpPr>
-      <p:grpSpPr>
-        <a:xfrm>
-          <a:off x="0" y="0"/>
-          <a:ext cx="0" cy="0"/>
-          <a:chOff x="0" y="0"/>
-          <a:chExt cx="0" cy="0"/>
-        </a:xfrm>
-      </p:grpSpPr>
-      <p:sp>
-        <p:nvSpPr>
-          <p:cNvPr id="84" name="Shape 84"/>
-          <p:cNvSpPr/>
-          <p:nvPr/>
-        </p:nvSpPr>
-        <p:spPr>
-          <a:xfrm>
-            <a:off x="152400" y="4957762"/>
-            <a:ext cx="8001000" cy="592800"/>
-          </a:xfrm>
-          <a:prstGeom prst="rect">
-            <a:avLst/>
-          </a:prstGeom>
-          <a:noFill/>
-          <a:ln>
-            <a:noFill/>
-          </a:ln>
-        </p:spPr>
-        <p:txBody>
-          <a:bodyPr lIns="63500" tIns="25400" rIns="63500" bIns="25400" anchor="t" anchorCtr="0">
-            <a:noAutofit/>
-          </a:bodyPr>
-          <a:lstStyle/>
-          <a:p>
-            <a:pPr>
-              <a:buSzPct val="25000"/>
-            </a:pPr>
-            <a:r>
-              <a:rPr lang="en-US" sz="2400">
-                <a:solidFill>
-                  <a:srgbClr val="262626"/>
-                </a:solidFill>
-                <a:latin typeface="Calibri"/>
-                <a:ea typeface="Calibri"/>
-                <a:cs typeface="Calibri"/>
-                <a:sym typeface="Calibri"/>
-              </a:rPr>
-              <a:t>If necessary, identify key assumption or background for audience—keep to two lines (18–24 point type)</a:t>
-            </a:r>
-          </a:p>
-        </p:txBody>
-      </p:sp>
-      <p:sp>
-        <p:nvSpPr>
-          <p:cNvPr id="85" name="Shape 85"/>
-          <p:cNvSpPr/>
-          <p:nvPr/>
-        </p:nvSpPr>
-        <p:spPr>
-          <a:xfrm>
-            <a:off x="228601" y="2062162"/>
-            <a:ext cx="8305799" cy="2681400"/>
-          </a:xfrm>
-          <a:prstGeom prst="rect">
-            <a:avLst/>
-          </a:prstGeom>
-          <a:solidFill>
-            <a:srgbClr val="262626"/>
-          </a:solidFill>
-          <a:ln w="9525" cap="flat">
-            <a:solidFill>
-              <a:srgbClr val="000000"/>
-            </a:solidFill>
-            <a:prstDash val="solid"/>
-            <a:miter/>
-            <a:headEnd type="none" w="med" len="med"/>
-            <a:tailEnd type="none" w="med" len="med"/>
-          </a:ln>
-        </p:spPr>
-        <p:txBody>
-          <a:bodyPr lIns="91425" tIns="45700" rIns="91425" bIns="45700" anchor="ctr" anchorCtr="0">
-            <a:noAutofit/>
-          </a:bodyPr>
-          <a:lstStyle/>
-          <a:p>
-            <a:pPr algn="ctr"/>
-            <a:endParaRPr sz="2400">
-              <a:solidFill>
-                <a:schemeClr val="lt1"/>
-              </a:solidFill>
-              <a:latin typeface="Calibri"/>
-              <a:ea typeface="Calibri"/>
-              <a:cs typeface="Calibri"/>
-              <a:sym typeface="Calibri"/>
-            </a:endParaRPr>
-          </a:p>
-          <a:p>
-            <a:pPr algn="ctr"/>
-            <a:endParaRPr sz="2400">
-              <a:solidFill>
-                <a:schemeClr val="lt1"/>
-              </a:solidFill>
-              <a:latin typeface="Calibri"/>
-              <a:ea typeface="Calibri"/>
-              <a:cs typeface="Calibri"/>
-              <a:sym typeface="Calibri"/>
-            </a:endParaRPr>
-          </a:p>
-          <a:p>
-            <a:pPr algn="ctr">
-              <a:buSzPct val="25000"/>
-            </a:pPr>
-            <a:r>
-              <a:rPr lang="en-US" sz="3600">
-                <a:solidFill>
-                  <a:schemeClr val="lt1"/>
-                </a:solidFill>
-                <a:latin typeface="Calibri"/>
-                <a:ea typeface="Calibri"/>
-                <a:cs typeface="Calibri"/>
-                <a:sym typeface="Calibri"/>
-              </a:rPr>
-              <a:t>Image(s)</a:t>
-            </a:r>
-          </a:p>
-          <a:p>
-            <a:pPr algn="ctr">
-              <a:buSzPct val="25000"/>
-            </a:pPr>
-            <a:r>
-              <a:rPr lang="en-US" sz="3600">
-                <a:solidFill>
-                  <a:schemeClr val="lt1"/>
-                </a:solidFill>
-                <a:latin typeface="Calibri"/>
-                <a:ea typeface="Calibri"/>
-                <a:cs typeface="Calibri"/>
-                <a:sym typeface="Calibri"/>
-              </a:rPr>
-              <a:t>supporting </a:t>
-            </a:r>
-            <a:br>
-              <a:rPr lang="en-US" sz="3600">
-                <a:solidFill>
-                  <a:schemeClr val="lt1"/>
-                </a:solidFill>
-                <a:latin typeface="Calibri"/>
-                <a:ea typeface="Calibri"/>
-                <a:cs typeface="Calibri"/>
-                <a:sym typeface="Calibri"/>
-              </a:rPr>
-            </a:br>
-            <a:r>
-              <a:rPr lang="en-US" sz="3600">
-                <a:solidFill>
-                  <a:schemeClr val="lt1"/>
-                </a:solidFill>
-                <a:latin typeface="Calibri"/>
-                <a:ea typeface="Calibri"/>
-                <a:cs typeface="Calibri"/>
-                <a:sym typeface="Calibri"/>
-              </a:rPr>
-              <a:t>above assertion</a:t>
-            </a:r>
-          </a:p>
-          <a:p>
-            <a:pPr algn="ctr"/>
-            <a:endParaRPr sz="2400">
-              <a:solidFill>
-                <a:schemeClr val="lt1"/>
-              </a:solidFill>
-              <a:latin typeface="Calibri"/>
-              <a:ea typeface="Calibri"/>
-              <a:cs typeface="Calibri"/>
-              <a:sym typeface="Calibri"/>
-            </a:endParaRPr>
-          </a:p>
-          <a:p>
-            <a:pPr algn="ctr"/>
-            <a:endParaRPr sz="2400">
-              <a:solidFill>
-                <a:schemeClr val="lt1"/>
-              </a:solidFill>
-              <a:latin typeface="Calibri"/>
-              <a:ea typeface="Calibri"/>
-              <a:cs typeface="Calibri"/>
-              <a:sym typeface="Calibri"/>
-            </a:endParaRPr>
-          </a:p>
-          <a:p>
-            <a:pPr algn="ctr"/>
-            <a:endParaRPr sz="2400">
-              <a:solidFill>
-                <a:schemeClr val="lt1"/>
-              </a:solidFill>
-              <a:latin typeface="Calibri"/>
-              <a:ea typeface="Calibri"/>
-              <a:cs typeface="Calibri"/>
-              <a:sym typeface="Calibri"/>
-            </a:endParaRPr>
-          </a:p>
-        </p:txBody>
-      </p:sp>
-      <p:sp>
-        <p:nvSpPr>
-          <p:cNvPr id="86" name="Shape 86"/>
-          <p:cNvSpPr txBox="1"/>
-          <p:nvPr/>
-        </p:nvSpPr>
-        <p:spPr>
-          <a:xfrm>
-            <a:off x="288925" y="902493"/>
-            <a:ext cx="184200" cy="297600"/>
-          </a:xfrm>
-          <a:prstGeom prst="rect">
-            <a:avLst/>
-          </a:prstGeom>
-          <a:noFill/>
-          <a:ln>
-            <a:noFill/>
-          </a:ln>
-        </p:spPr>
-        <p:txBody>
-          <a:bodyPr lIns="91425" tIns="45700" rIns="91425" bIns="45700" anchor="t" anchorCtr="0">
-            <a:noAutofit/>
-          </a:bodyPr>
-          <a:lstStyle/>
-          <a:p>
-            <a:endParaRPr>
-              <a:solidFill>
-                <a:schemeClr val="dk1"/>
-              </a:solidFill>
-              <a:latin typeface="Calibri"/>
-              <a:ea typeface="Calibri"/>
-              <a:cs typeface="Calibri"/>
-              <a:sym typeface="Calibri"/>
-            </a:endParaRPr>
-          </a:p>
-        </p:txBody>
-      </p:sp>
-      <p:sp>
-        <p:nvSpPr>
-          <p:cNvPr id="87" name="Shape 87"/>
-          <p:cNvSpPr txBox="1"/>
-          <p:nvPr/>
-        </p:nvSpPr>
-        <p:spPr>
-          <a:xfrm>
-            <a:off x="76200" y="914400"/>
-            <a:ext cx="8997900" cy="861774"/>
-          </a:xfrm>
-          <a:prstGeom prst="rect">
-            <a:avLst/>
-          </a:prstGeom>
-          <a:noFill/>
-          <a:ln>
-            <a:noFill/>
-          </a:ln>
-        </p:spPr>
-        <p:txBody>
-          <a:bodyPr lIns="0" tIns="0" rIns="0" bIns="0" anchor="t" anchorCtr="0">
-            <a:spAutoFit/>
-          </a:bodyPr>
-          <a:lstStyle/>
-          <a:p>
-            <a:pPr>
-              <a:buSzPct val="25000"/>
-            </a:pPr>
-            <a:r>
-              <a:rPr lang="en-US" sz="2800" b="1" dirty="0">
-                <a:solidFill>
-                  <a:srgbClr val="000000"/>
-                </a:solidFill>
-                <a:latin typeface="Calibri"/>
-                <a:ea typeface="Calibri"/>
-                <a:cs typeface="Calibri"/>
-                <a:sym typeface="Calibri"/>
-              </a:rPr>
-              <a:t>This sentence headline makes an assertion on the first topic in no more than two lines</a:t>
-            </a:r>
-          </a:p>
-        </p:txBody>
-      </p:sp>
-    </p:spTree>
-  </p:cSld>
-  <p:clrMapOvr>
-    <a:masterClrMapping/>
-  </p:clrMapOvr>
-  <p:transition spd="slow">
-    <p:cut/>
-  </p:transition>
-</p:sld>
-</file>
-
-<file path=ppt/slides/slide21.xml><?xml version="1.0" encoding="utf-8"?>
 <p:sld xmlns:a="http://schemas.openxmlformats.org/drawingml/2006/main" xmlns:r="http://schemas.openxmlformats.org/officeDocument/2006/relationships" xmlns:p="http://schemas.openxmlformats.org/presentationml/2006/main">
   <p:cSld>
     <p:spTree>
@@ -26687,7 +26138,7 @@
 </p:sld>
 </file>
 
-<file path=ppt/slides/slide22.xml><?xml version="1.0" encoding="utf-8"?>
+<file path=ppt/slides/slide21.xml><?xml version="1.0" encoding="utf-8"?>
 <p:sld xmlns:a="http://schemas.openxmlformats.org/drawingml/2006/main" xmlns:r="http://schemas.openxmlformats.org/officeDocument/2006/relationships" xmlns:p="http://schemas.openxmlformats.org/presentationml/2006/main">
   <p:cSld>
     <p:spTree>
@@ -27600,7 +27051,7 @@
 </p:sld>
 </file>
 
-<file path=ppt/slides/slide23.xml><?xml version="1.0" encoding="utf-8"?>
+<file path=ppt/slides/slide22.xml><?xml version="1.0" encoding="utf-8"?>
 <p:sld xmlns:a="http://schemas.openxmlformats.org/drawingml/2006/main" xmlns:r="http://schemas.openxmlformats.org/officeDocument/2006/relationships" xmlns:p="http://schemas.openxmlformats.org/presentationml/2006/main">
   <p:cSld>
     <p:spTree>
@@ -27804,7 +27255,7 @@
 </p:sld>
 </file>
 
-<file path=ppt/slides/slide24.xml><?xml version="1.0" encoding="utf-8"?>
+<file path=ppt/slides/slide23.xml><?xml version="1.0" encoding="utf-8"?>
 <p:sld xmlns:a="http://schemas.openxmlformats.org/drawingml/2006/main" xmlns:r="http://schemas.openxmlformats.org/officeDocument/2006/relationships" xmlns:p="http://schemas.openxmlformats.org/presentationml/2006/main">
   <p:cSld>
     <p:spTree>
@@ -29352,7 +28803,7 @@
 </p:sld>
 </file>
 
-<file path=ppt/slides/slide25.xml><?xml version="1.0" encoding="utf-8"?>
+<file path=ppt/slides/slide24.xml><?xml version="1.0" encoding="utf-8"?>
 <p:sld xmlns:a="http://schemas.openxmlformats.org/drawingml/2006/main" xmlns:r="http://schemas.openxmlformats.org/officeDocument/2006/relationships" xmlns:p="http://schemas.openxmlformats.org/presentationml/2006/main">
   <p:cSld>
     <p:spTree>
@@ -29775,7 +29226,7 @@
 </p:sld>
 </file>
 
-<file path=ppt/slides/slide26.xml><?xml version="1.0" encoding="utf-8"?>
+<file path=ppt/slides/slide25.xml><?xml version="1.0" encoding="utf-8"?>
 <p:sld xmlns:a="http://schemas.openxmlformats.org/drawingml/2006/main" xmlns:r="http://schemas.openxmlformats.org/officeDocument/2006/relationships" xmlns:p="http://schemas.openxmlformats.org/presentationml/2006/main">
   <p:cSld>
     <p:spTree>
@@ -31361,7 +30812,7 @@
 </p:sld>
 </file>
 
-<file path=ppt/slides/slide27.xml><?xml version="1.0" encoding="utf-8"?>
+<file path=ppt/slides/slide26.xml><?xml version="1.0" encoding="utf-8"?>
 <p:sld xmlns:a="http://schemas.openxmlformats.org/drawingml/2006/main" xmlns:r="http://schemas.openxmlformats.org/officeDocument/2006/relationships" xmlns:p="http://schemas.openxmlformats.org/presentationml/2006/main">
   <p:cSld>
     <p:spTree>
@@ -32870,7 +32321,7 @@
 </p:sld>
 </file>
 
-<file path=ppt/slides/slide28.xml><?xml version="1.0" encoding="utf-8"?>
+<file path=ppt/slides/slide27.xml><?xml version="1.0" encoding="utf-8"?>
 <p:sld xmlns:a="http://schemas.openxmlformats.org/drawingml/2006/main" xmlns:r="http://schemas.openxmlformats.org/officeDocument/2006/relationships" xmlns:p="http://schemas.openxmlformats.org/presentationml/2006/main">
   <p:cSld>
     <p:spTree>
@@ -33261,7 +32712,7 @@
 </p:sld>
 </file>
 
-<file path=ppt/slides/slide29.xml><?xml version="1.0" encoding="utf-8"?>
+<file path=ppt/slides/slide28.xml><?xml version="1.0" encoding="utf-8"?>
 <p:sld xmlns:a="http://schemas.openxmlformats.org/drawingml/2006/main" xmlns:r="http://schemas.openxmlformats.org/officeDocument/2006/relationships" xmlns:p="http://schemas.openxmlformats.org/presentationml/2006/main">
   <p:cSld>
     <p:spTree>
@@ -36265,6 +35716,328 @@
 </p:sld>
 </file>
 
+<file path=ppt/slides/slide29.xml><?xml version="1.0" encoding="utf-8"?>
+<p:sld xmlns:a="http://schemas.openxmlformats.org/drawingml/2006/main" xmlns:r="http://schemas.openxmlformats.org/officeDocument/2006/relationships" xmlns:p="http://schemas.openxmlformats.org/presentationml/2006/main">
+  <p:cSld>
+    <p:spTree>
+      <p:nvGrpSpPr>
+        <p:cNvPr id="1" name="Shape 242"/>
+        <p:cNvGrpSpPr/>
+        <p:nvPr/>
+      </p:nvGrpSpPr>
+      <p:grpSpPr>
+        <a:xfrm>
+          <a:off x="0" y="0"/>
+          <a:ext cx="0" cy="0"/>
+          <a:chOff x="0" y="0"/>
+          <a:chExt cx="0" cy="0"/>
+        </a:xfrm>
+      </p:grpSpPr>
+      <p:sp>
+        <p:nvSpPr>
+          <p:cNvPr id="244" name="Shape 244"/>
+          <p:cNvSpPr/>
+          <p:nvPr/>
+        </p:nvSpPr>
+        <p:spPr>
+          <a:xfrm>
+            <a:off x="76201" y="2686051"/>
+            <a:ext cx="3809999" cy="2267287"/>
+          </a:xfrm>
+          <a:prstGeom prst="rect">
+            <a:avLst/>
+          </a:prstGeom>
+          <a:noFill/>
+          <a:ln>
+            <a:noFill/>
+          </a:ln>
+        </p:spPr>
+        <p:txBody>
+          <a:bodyPr lIns="63500" tIns="25400" rIns="63500" bIns="25400" anchor="t" anchorCtr="0">
+            <a:spAutoFit/>
+          </a:bodyPr>
+          <a:lstStyle/>
+          <a:p>
+            <a:pPr>
+              <a:buSzPct val="25000"/>
+            </a:pPr>
+            <a:r>
+              <a:rPr lang="en-US" sz="2400" b="1" dirty="0">
+                <a:solidFill>
+                  <a:srgbClr val="262626"/>
+                </a:solidFill>
+                <a:latin typeface="Calibri"/>
+                <a:ea typeface="Calibri"/>
+                <a:cs typeface="Calibri"/>
+                <a:sym typeface="Calibri"/>
+              </a:rPr>
+              <a:t>Supporting point (no more than two lines)</a:t>
+            </a:r>
+          </a:p>
+          <a:p>
+            <a:endParaRPr sz="2400" b="1" dirty="0">
+              <a:solidFill>
+                <a:srgbClr val="262626"/>
+              </a:solidFill>
+              <a:latin typeface="Calibri"/>
+              <a:ea typeface="Calibri"/>
+              <a:cs typeface="Calibri"/>
+              <a:sym typeface="Calibri"/>
+            </a:endParaRPr>
+          </a:p>
+          <a:p>
+            <a:endParaRPr sz="2400" b="1" dirty="0">
+              <a:solidFill>
+                <a:srgbClr val="262626"/>
+              </a:solidFill>
+              <a:latin typeface="Calibri"/>
+              <a:ea typeface="Calibri"/>
+              <a:cs typeface="Calibri"/>
+              <a:sym typeface="Calibri"/>
+            </a:endParaRPr>
+          </a:p>
+          <a:p>
+            <a:pPr>
+              <a:buSzPct val="25000"/>
+            </a:pPr>
+            <a:r>
+              <a:rPr lang="en-US" sz="2400" b="1" dirty="0">
+                <a:solidFill>
+                  <a:srgbClr val="262626"/>
+                </a:solidFill>
+                <a:latin typeface="Calibri"/>
+                <a:ea typeface="Calibri"/>
+                <a:cs typeface="Calibri"/>
+                <a:sym typeface="Calibri"/>
+              </a:rPr>
+              <a:t>Another supporting point (parallel to the first)</a:t>
+            </a:r>
+          </a:p>
+        </p:txBody>
+      </p:sp>
+      <p:sp>
+        <p:nvSpPr>
+          <p:cNvPr id="245" name="Shape 245"/>
+          <p:cNvSpPr/>
+          <p:nvPr/>
+        </p:nvSpPr>
+        <p:spPr>
+          <a:xfrm>
+            <a:off x="4800601" y="2372916"/>
+            <a:ext cx="3962399" cy="2409900"/>
+          </a:xfrm>
+          <a:prstGeom prst="rect">
+            <a:avLst/>
+          </a:prstGeom>
+          <a:solidFill>
+            <a:srgbClr val="262626"/>
+          </a:solidFill>
+          <a:ln w="9525" cap="flat">
+            <a:solidFill>
+              <a:srgbClr val="000000"/>
+            </a:solidFill>
+            <a:prstDash val="solid"/>
+            <a:miter/>
+            <a:headEnd type="none" w="med" len="med"/>
+            <a:tailEnd type="none" w="med" len="med"/>
+          </a:ln>
+        </p:spPr>
+        <p:txBody>
+          <a:bodyPr lIns="91425" tIns="45700" rIns="91425" bIns="45700" anchor="ctr" anchorCtr="0">
+            <a:noAutofit/>
+          </a:bodyPr>
+          <a:lstStyle/>
+          <a:p>
+            <a:pPr algn="ctr"/>
+            <a:endParaRPr sz="4800">
+              <a:solidFill>
+                <a:srgbClr val="EAEAEA"/>
+              </a:solidFill>
+              <a:latin typeface="Calibri"/>
+              <a:ea typeface="Calibri"/>
+              <a:cs typeface="Calibri"/>
+              <a:sym typeface="Calibri"/>
+            </a:endParaRPr>
+          </a:p>
+          <a:p>
+            <a:pPr algn="ctr">
+              <a:buSzPct val="25000"/>
+            </a:pPr>
+            <a:r>
+              <a:rPr lang="en-US" sz="3600">
+                <a:solidFill>
+                  <a:srgbClr val="EAEAEA"/>
+                </a:solidFill>
+                <a:latin typeface="Calibri"/>
+                <a:ea typeface="Calibri"/>
+                <a:cs typeface="Calibri"/>
+                <a:sym typeface="Calibri"/>
+              </a:rPr>
+              <a:t>Image that supports conclusion</a:t>
+            </a:r>
+          </a:p>
+          <a:p>
+            <a:pPr algn="ctr"/>
+            <a:endParaRPr sz="4800">
+              <a:solidFill>
+                <a:schemeClr val="dk1"/>
+              </a:solidFill>
+              <a:latin typeface="Calibri"/>
+              <a:ea typeface="Calibri"/>
+              <a:cs typeface="Calibri"/>
+              <a:sym typeface="Calibri"/>
+            </a:endParaRPr>
+          </a:p>
+        </p:txBody>
+      </p:sp>
+      <p:sp>
+        <p:nvSpPr>
+          <p:cNvPr id="246" name="Shape 246"/>
+          <p:cNvSpPr txBox="1"/>
+          <p:nvPr/>
+        </p:nvSpPr>
+        <p:spPr>
+          <a:xfrm>
+            <a:off x="3773488" y="5416153"/>
+            <a:ext cx="1616099" cy="346500"/>
+          </a:xfrm>
+          <a:prstGeom prst="rect">
+            <a:avLst/>
+          </a:prstGeom>
+          <a:noFill/>
+          <a:ln>
+            <a:noFill/>
+          </a:ln>
+        </p:spPr>
+        <p:txBody>
+          <a:bodyPr lIns="91425" tIns="45700" rIns="91425" bIns="45700" anchor="t" anchorCtr="0">
+            <a:noAutofit/>
+          </a:bodyPr>
+          <a:lstStyle/>
+          <a:p>
+            <a:pPr algn="ctr">
+              <a:buSzPct val="25000"/>
+            </a:pPr>
+            <a:r>
+              <a:rPr lang="en-US" sz="2400" b="1">
+                <a:solidFill>
+                  <a:schemeClr val="dk1"/>
+                </a:solidFill>
+                <a:latin typeface="Calibri"/>
+                <a:ea typeface="Calibri"/>
+                <a:cs typeface="Calibri"/>
+                <a:sym typeface="Calibri"/>
+              </a:rPr>
+              <a:t>Questions?</a:t>
+            </a:r>
+          </a:p>
+        </p:txBody>
+      </p:sp>
+      <p:sp>
+        <p:nvSpPr>
+          <p:cNvPr id="247" name="Shape 247"/>
+          <p:cNvSpPr txBox="1"/>
+          <p:nvPr/>
+        </p:nvSpPr>
+        <p:spPr>
+          <a:xfrm>
+            <a:off x="76200" y="914401"/>
+            <a:ext cx="8997900" cy="800219"/>
+          </a:xfrm>
+          <a:prstGeom prst="rect">
+            <a:avLst/>
+          </a:prstGeom>
+          <a:noFill/>
+          <a:ln>
+            <a:noFill/>
+          </a:ln>
+        </p:spPr>
+        <p:txBody>
+          <a:bodyPr lIns="0" tIns="0" rIns="0" bIns="0" anchor="t" anchorCtr="0">
+            <a:spAutoFit/>
+          </a:bodyPr>
+          <a:lstStyle/>
+          <a:p>
+            <a:pPr>
+              <a:buSzPct val="25000"/>
+            </a:pPr>
+            <a:r>
+              <a:rPr lang="en-US" sz="2600" b="1" dirty="0">
+                <a:solidFill>
+                  <a:srgbClr val="000000"/>
+                </a:solidFill>
+                <a:latin typeface="Calibri"/>
+                <a:ea typeface="Calibri"/>
+                <a:cs typeface="Calibri"/>
+                <a:sym typeface="Calibri"/>
+              </a:rPr>
+              <a:t>In summary, this sentence headline states the most important assertion of the presentation</a:t>
+            </a:r>
+          </a:p>
+        </p:txBody>
+      </p:sp>
+      <p:sp>
+        <p:nvSpPr>
+          <p:cNvPr id="248" name="Shape 248"/>
+          <p:cNvSpPr txBox="1"/>
+          <p:nvPr/>
+        </p:nvSpPr>
+        <p:spPr>
+          <a:xfrm>
+            <a:off x="8077200" y="5543550"/>
+            <a:ext cx="936600" cy="350100"/>
+          </a:xfrm>
+          <a:prstGeom prst="rect">
+            <a:avLst/>
+          </a:prstGeom>
+          <a:solidFill>
+            <a:srgbClr val="262626"/>
+          </a:solidFill>
+          <a:ln w="9525" cap="flat">
+            <a:solidFill>
+              <a:srgbClr val="000000"/>
+            </a:solidFill>
+            <a:prstDash val="solid"/>
+            <a:miter/>
+            <a:headEnd type="none" w="med" len="med"/>
+            <a:tailEnd type="none" w="med" len="med"/>
+          </a:ln>
+        </p:spPr>
+        <p:txBody>
+          <a:bodyPr lIns="91425" tIns="45700" rIns="91425" bIns="45700" anchor="t" anchorCtr="0">
+            <a:noAutofit/>
+          </a:bodyPr>
+          <a:lstStyle/>
+          <a:p>
+            <a:pPr>
+              <a:buSzPct val="25000"/>
+            </a:pPr>
+            <a:r>
+              <a:rPr lang="en-US" sz="2400">
+                <a:solidFill>
+                  <a:schemeClr val="lt1"/>
+                </a:solidFill>
+                <a:latin typeface="Calibri"/>
+                <a:ea typeface="Calibri"/>
+                <a:cs typeface="Calibri"/>
+                <a:sym typeface="Calibri"/>
+              </a:rPr>
+              <a:t>Logo</a:t>
+            </a:r>
+          </a:p>
+        </p:txBody>
+      </p:sp>
+    </p:spTree>
+  </p:cSld>
+  <p:clrMapOvr>
+    <a:masterClrMapping/>
+  </p:clrMapOvr>
+  <p:transition spd="slow">
+    <p:cut/>
+  </p:transition>
+</p:sld>
+</file>
+
 <file path=ppt/slides/slide3.xml><?xml version="1.0" encoding="utf-8"?>
 <p:sld xmlns:a="http://schemas.openxmlformats.org/drawingml/2006/main" xmlns:r="http://schemas.openxmlformats.org/officeDocument/2006/relationships" xmlns:p="http://schemas.openxmlformats.org/presentationml/2006/main">
   <p:cSld>
@@ -36951,328 +36724,6 @@
 </file>
 
 <file path=ppt/slides/slide30.xml><?xml version="1.0" encoding="utf-8"?>
-<p:sld xmlns:a="http://schemas.openxmlformats.org/drawingml/2006/main" xmlns:r="http://schemas.openxmlformats.org/officeDocument/2006/relationships" xmlns:p="http://schemas.openxmlformats.org/presentationml/2006/main">
-  <p:cSld>
-    <p:spTree>
-      <p:nvGrpSpPr>
-        <p:cNvPr id="1" name="Shape 242"/>
-        <p:cNvGrpSpPr/>
-        <p:nvPr/>
-      </p:nvGrpSpPr>
-      <p:grpSpPr>
-        <a:xfrm>
-          <a:off x="0" y="0"/>
-          <a:ext cx="0" cy="0"/>
-          <a:chOff x="0" y="0"/>
-          <a:chExt cx="0" cy="0"/>
-        </a:xfrm>
-      </p:grpSpPr>
-      <p:sp>
-        <p:nvSpPr>
-          <p:cNvPr id="244" name="Shape 244"/>
-          <p:cNvSpPr/>
-          <p:nvPr/>
-        </p:nvSpPr>
-        <p:spPr>
-          <a:xfrm>
-            <a:off x="76201" y="2686051"/>
-            <a:ext cx="3809999" cy="2267287"/>
-          </a:xfrm>
-          <a:prstGeom prst="rect">
-            <a:avLst/>
-          </a:prstGeom>
-          <a:noFill/>
-          <a:ln>
-            <a:noFill/>
-          </a:ln>
-        </p:spPr>
-        <p:txBody>
-          <a:bodyPr lIns="63500" tIns="25400" rIns="63500" bIns="25400" anchor="t" anchorCtr="0">
-            <a:spAutoFit/>
-          </a:bodyPr>
-          <a:lstStyle/>
-          <a:p>
-            <a:pPr>
-              <a:buSzPct val="25000"/>
-            </a:pPr>
-            <a:r>
-              <a:rPr lang="en-US" sz="2400" b="1" dirty="0">
-                <a:solidFill>
-                  <a:srgbClr val="262626"/>
-                </a:solidFill>
-                <a:latin typeface="Calibri"/>
-                <a:ea typeface="Calibri"/>
-                <a:cs typeface="Calibri"/>
-                <a:sym typeface="Calibri"/>
-              </a:rPr>
-              <a:t>Supporting point (no more than two lines)</a:t>
-            </a:r>
-          </a:p>
-          <a:p>
-            <a:endParaRPr sz="2400" b="1" dirty="0">
-              <a:solidFill>
-                <a:srgbClr val="262626"/>
-              </a:solidFill>
-              <a:latin typeface="Calibri"/>
-              <a:ea typeface="Calibri"/>
-              <a:cs typeface="Calibri"/>
-              <a:sym typeface="Calibri"/>
-            </a:endParaRPr>
-          </a:p>
-          <a:p>
-            <a:endParaRPr sz="2400" b="1" dirty="0">
-              <a:solidFill>
-                <a:srgbClr val="262626"/>
-              </a:solidFill>
-              <a:latin typeface="Calibri"/>
-              <a:ea typeface="Calibri"/>
-              <a:cs typeface="Calibri"/>
-              <a:sym typeface="Calibri"/>
-            </a:endParaRPr>
-          </a:p>
-          <a:p>
-            <a:pPr>
-              <a:buSzPct val="25000"/>
-            </a:pPr>
-            <a:r>
-              <a:rPr lang="en-US" sz="2400" b="1" dirty="0">
-                <a:solidFill>
-                  <a:srgbClr val="262626"/>
-                </a:solidFill>
-                <a:latin typeface="Calibri"/>
-                <a:ea typeface="Calibri"/>
-                <a:cs typeface="Calibri"/>
-                <a:sym typeface="Calibri"/>
-              </a:rPr>
-              <a:t>Another supporting point (parallel to the first)</a:t>
-            </a:r>
-          </a:p>
-        </p:txBody>
-      </p:sp>
-      <p:sp>
-        <p:nvSpPr>
-          <p:cNvPr id="245" name="Shape 245"/>
-          <p:cNvSpPr/>
-          <p:nvPr/>
-        </p:nvSpPr>
-        <p:spPr>
-          <a:xfrm>
-            <a:off x="4800601" y="2372916"/>
-            <a:ext cx="3962399" cy="2409900"/>
-          </a:xfrm>
-          <a:prstGeom prst="rect">
-            <a:avLst/>
-          </a:prstGeom>
-          <a:solidFill>
-            <a:srgbClr val="262626"/>
-          </a:solidFill>
-          <a:ln w="9525" cap="flat">
-            <a:solidFill>
-              <a:srgbClr val="000000"/>
-            </a:solidFill>
-            <a:prstDash val="solid"/>
-            <a:miter/>
-            <a:headEnd type="none" w="med" len="med"/>
-            <a:tailEnd type="none" w="med" len="med"/>
-          </a:ln>
-        </p:spPr>
-        <p:txBody>
-          <a:bodyPr lIns="91425" tIns="45700" rIns="91425" bIns="45700" anchor="ctr" anchorCtr="0">
-            <a:noAutofit/>
-          </a:bodyPr>
-          <a:lstStyle/>
-          <a:p>
-            <a:pPr algn="ctr"/>
-            <a:endParaRPr sz="4800">
-              <a:solidFill>
-                <a:srgbClr val="EAEAEA"/>
-              </a:solidFill>
-              <a:latin typeface="Calibri"/>
-              <a:ea typeface="Calibri"/>
-              <a:cs typeface="Calibri"/>
-              <a:sym typeface="Calibri"/>
-            </a:endParaRPr>
-          </a:p>
-          <a:p>
-            <a:pPr algn="ctr">
-              <a:buSzPct val="25000"/>
-            </a:pPr>
-            <a:r>
-              <a:rPr lang="en-US" sz="3600">
-                <a:solidFill>
-                  <a:srgbClr val="EAEAEA"/>
-                </a:solidFill>
-                <a:latin typeface="Calibri"/>
-                <a:ea typeface="Calibri"/>
-                <a:cs typeface="Calibri"/>
-                <a:sym typeface="Calibri"/>
-              </a:rPr>
-              <a:t>Image that supports conclusion</a:t>
-            </a:r>
-          </a:p>
-          <a:p>
-            <a:pPr algn="ctr"/>
-            <a:endParaRPr sz="4800">
-              <a:solidFill>
-                <a:schemeClr val="dk1"/>
-              </a:solidFill>
-              <a:latin typeface="Calibri"/>
-              <a:ea typeface="Calibri"/>
-              <a:cs typeface="Calibri"/>
-              <a:sym typeface="Calibri"/>
-            </a:endParaRPr>
-          </a:p>
-        </p:txBody>
-      </p:sp>
-      <p:sp>
-        <p:nvSpPr>
-          <p:cNvPr id="246" name="Shape 246"/>
-          <p:cNvSpPr txBox="1"/>
-          <p:nvPr/>
-        </p:nvSpPr>
-        <p:spPr>
-          <a:xfrm>
-            <a:off x="3773488" y="5416153"/>
-            <a:ext cx="1616099" cy="346500"/>
-          </a:xfrm>
-          <a:prstGeom prst="rect">
-            <a:avLst/>
-          </a:prstGeom>
-          <a:noFill/>
-          <a:ln>
-            <a:noFill/>
-          </a:ln>
-        </p:spPr>
-        <p:txBody>
-          <a:bodyPr lIns="91425" tIns="45700" rIns="91425" bIns="45700" anchor="t" anchorCtr="0">
-            <a:noAutofit/>
-          </a:bodyPr>
-          <a:lstStyle/>
-          <a:p>
-            <a:pPr algn="ctr">
-              <a:buSzPct val="25000"/>
-            </a:pPr>
-            <a:r>
-              <a:rPr lang="en-US" sz="2400" b="1">
-                <a:solidFill>
-                  <a:schemeClr val="dk1"/>
-                </a:solidFill>
-                <a:latin typeface="Calibri"/>
-                <a:ea typeface="Calibri"/>
-                <a:cs typeface="Calibri"/>
-                <a:sym typeface="Calibri"/>
-              </a:rPr>
-              <a:t>Questions?</a:t>
-            </a:r>
-          </a:p>
-        </p:txBody>
-      </p:sp>
-      <p:sp>
-        <p:nvSpPr>
-          <p:cNvPr id="247" name="Shape 247"/>
-          <p:cNvSpPr txBox="1"/>
-          <p:nvPr/>
-        </p:nvSpPr>
-        <p:spPr>
-          <a:xfrm>
-            <a:off x="76200" y="914401"/>
-            <a:ext cx="8997900" cy="800219"/>
-          </a:xfrm>
-          <a:prstGeom prst="rect">
-            <a:avLst/>
-          </a:prstGeom>
-          <a:noFill/>
-          <a:ln>
-            <a:noFill/>
-          </a:ln>
-        </p:spPr>
-        <p:txBody>
-          <a:bodyPr lIns="0" tIns="0" rIns="0" bIns="0" anchor="t" anchorCtr="0">
-            <a:spAutoFit/>
-          </a:bodyPr>
-          <a:lstStyle/>
-          <a:p>
-            <a:pPr>
-              <a:buSzPct val="25000"/>
-            </a:pPr>
-            <a:r>
-              <a:rPr lang="en-US" sz="2600" b="1" dirty="0">
-                <a:solidFill>
-                  <a:srgbClr val="000000"/>
-                </a:solidFill>
-                <a:latin typeface="Calibri"/>
-                <a:ea typeface="Calibri"/>
-                <a:cs typeface="Calibri"/>
-                <a:sym typeface="Calibri"/>
-              </a:rPr>
-              <a:t>In summary, this sentence headline states the most important assertion of the presentation</a:t>
-            </a:r>
-          </a:p>
-        </p:txBody>
-      </p:sp>
-      <p:sp>
-        <p:nvSpPr>
-          <p:cNvPr id="248" name="Shape 248"/>
-          <p:cNvSpPr txBox="1"/>
-          <p:nvPr/>
-        </p:nvSpPr>
-        <p:spPr>
-          <a:xfrm>
-            <a:off x="8077200" y="5543550"/>
-            <a:ext cx="936600" cy="350100"/>
-          </a:xfrm>
-          <a:prstGeom prst="rect">
-            <a:avLst/>
-          </a:prstGeom>
-          <a:solidFill>
-            <a:srgbClr val="262626"/>
-          </a:solidFill>
-          <a:ln w="9525" cap="flat">
-            <a:solidFill>
-              <a:srgbClr val="000000"/>
-            </a:solidFill>
-            <a:prstDash val="solid"/>
-            <a:miter/>
-            <a:headEnd type="none" w="med" len="med"/>
-            <a:tailEnd type="none" w="med" len="med"/>
-          </a:ln>
-        </p:spPr>
-        <p:txBody>
-          <a:bodyPr lIns="91425" tIns="45700" rIns="91425" bIns="45700" anchor="t" anchorCtr="0">
-            <a:noAutofit/>
-          </a:bodyPr>
-          <a:lstStyle/>
-          <a:p>
-            <a:pPr>
-              <a:buSzPct val="25000"/>
-            </a:pPr>
-            <a:r>
-              <a:rPr lang="en-US" sz="2400">
-                <a:solidFill>
-                  <a:schemeClr val="lt1"/>
-                </a:solidFill>
-                <a:latin typeface="Calibri"/>
-                <a:ea typeface="Calibri"/>
-                <a:cs typeface="Calibri"/>
-                <a:sym typeface="Calibri"/>
-              </a:rPr>
-              <a:t>Logo</a:t>
-            </a:r>
-          </a:p>
-        </p:txBody>
-      </p:sp>
-    </p:spTree>
-  </p:cSld>
-  <p:clrMapOvr>
-    <a:masterClrMapping/>
-  </p:clrMapOvr>
-  <p:transition spd="slow">
-    <p:cut/>
-  </p:transition>
-</p:sld>
-</file>
-
-<file path=ppt/slides/slide31.xml><?xml version="1.0" encoding="utf-8"?>
 <p:sld xmlns:a="http://schemas.openxmlformats.org/drawingml/2006/main" xmlns:r="http://schemas.openxmlformats.org/officeDocument/2006/relationships" xmlns:p="http://schemas.openxmlformats.org/presentationml/2006/main">
   <p:cSld>
     <p:spTree>
@@ -37860,7 +37311,7 @@
 </p:sld>
 </file>
 
-<file path=ppt/slides/slide32.xml><?xml version="1.0" encoding="utf-8"?>
+<file path=ppt/slides/slide31.xml><?xml version="1.0" encoding="utf-8"?>
 <p:sld xmlns:a="http://schemas.openxmlformats.org/drawingml/2006/main" xmlns:r="http://schemas.openxmlformats.org/officeDocument/2006/relationships" xmlns:p="http://schemas.openxmlformats.org/presentationml/2006/main">
   <p:cSld>
     <p:spTree>
@@ -38390,7 +37841,7 @@
 </p:sld>
 </file>
 
-<file path=ppt/slides/slide33.xml><?xml version="1.0" encoding="utf-8"?>
+<file path=ppt/slides/slide32.xml><?xml version="1.0" encoding="utf-8"?>
 <p:sld xmlns:a="http://schemas.openxmlformats.org/drawingml/2006/main" xmlns:r="http://schemas.openxmlformats.org/officeDocument/2006/relationships" xmlns:p="http://schemas.openxmlformats.org/presentationml/2006/main">
   <p:cSld>
     <p:spTree>
@@ -40932,86 +40383,16 @@
           <a:chExt cx="0" cy="0"/>
         </a:xfrm>
       </p:grpSpPr>
-      <p:sp>
-        <p:nvSpPr>
-          <p:cNvPr id="2" name="Title 1">
-            <a:extLst>
-              <a:ext uri="{FF2B5EF4-FFF2-40B4-BE49-F238E27FC236}">
-                <a16:creationId xmlns:a16="http://schemas.microsoft.com/office/drawing/2014/main" id="{3F61AD32-32F3-0040-AB6F-BED2C08FAE54}"/>
-              </a:ext>
-            </a:extLst>
-          </p:cNvPr>
-          <p:cNvSpPr>
-            <a:spLocks noGrp="1"/>
-          </p:cNvSpPr>
-          <p:nvPr>
-            <p:ph type="title"/>
-          </p:nvPr>
-        </p:nvSpPr>
-        <p:spPr>
-          <a:xfrm>
-            <a:off x="59635" y="1131094"/>
-            <a:ext cx="9019761" cy="994172"/>
-          </a:xfrm>
-        </p:spPr>
-        <p:txBody>
-          <a:bodyPr>
-            <a:normAutofit/>
-          </a:bodyPr>
-          <a:lstStyle/>
-          <a:p>
-            <a:r>
-              <a:rPr lang="en-US" dirty="0"/>
-              <a:t>Increased willow tree ring area correlated with an increase in numbers of a nearly extinct beaver population.</a:t>
-            </a:r>
-          </a:p>
-        </p:txBody>
-      </p:sp>
       <p:pic>
         <p:nvPicPr>
-          <p:cNvPr id="4" name="Picture 3">
-            <a:extLst>
-              <a:ext uri="{FF2B5EF4-FFF2-40B4-BE49-F238E27FC236}">
-                <a16:creationId xmlns:a16="http://schemas.microsoft.com/office/drawing/2014/main" id="{562803C9-558C-F141-8196-8BA517D392A7}"/>
-              </a:ext>
-            </a:extLst>
-          </p:cNvPr>
-          <p:cNvPicPr>
-            <a:picLocks noChangeAspect="1"/>
-          </p:cNvPicPr>
-          <p:nvPr/>
-        </p:nvPicPr>
-        <p:blipFill rotWithShape="1">
-          <a:blip r:embed="rId2"/>
-          <a:srcRect l="8774" t="10541" r="2368" b="7640"/>
-          <a:stretch/>
-        </p:blipFill>
-        <p:spPr>
-          <a:xfrm>
-            <a:off x="3968387" y="2459110"/>
-            <a:ext cx="5115978" cy="2662062"/>
-          </a:xfrm>
-          <a:prstGeom prst="rect">
-            <a:avLst/>
-          </a:prstGeom>
-        </p:spPr>
-      </p:pic>
-      <p:pic>
-        <p:nvPicPr>
-          <p:cNvPr id="5" name="Picture 2" descr="Wolves and Beavers in Yellowstone National Park">
-            <a:extLst>
-              <a:ext uri="{FF2B5EF4-FFF2-40B4-BE49-F238E27FC236}">
-                <a16:creationId xmlns:a16="http://schemas.microsoft.com/office/drawing/2014/main" id="{417E5524-0D9D-C549-A6A7-972163251FE1}"/>
-              </a:ext>
-            </a:extLst>
-          </p:cNvPr>
+          <p:cNvPr id="251906" name="Picture 6" descr="http://image.classictrucks.com/f/35771946/1103clt_14_o+1952_ford_f1+drivers_side.jpg"/>
           <p:cNvPicPr>
             <a:picLocks noChangeAspect="1" noChangeArrowheads="1"/>
           </p:cNvPicPr>
           <p:nvPr/>
         </p:nvPicPr>
         <p:blipFill>
-          <a:blip r:embed="rId3">
+          <a:blip r:embed="rId3" cstate="print">
             <a:extLst>
               <a:ext uri="{28A0092B-C50C-407E-A947-70E740481C1C}">
                 <a14:useLocalDpi xmlns:a14="http://schemas.microsoft.com/office/drawing/2010/main" val="0"/>
@@ -41025,13 +40406,21 @@
         </p:blipFill>
         <p:spPr bwMode="auto">
           <a:xfrm>
-            <a:off x="59635" y="2459110"/>
-            <a:ext cx="3740069" cy="2805052"/>
+            <a:off x="2895600" y="1600200"/>
+            <a:ext cx="1066800" cy="819150"/>
           </a:xfrm>
           <a:prstGeom prst="rect">
             <a:avLst/>
           </a:prstGeom>
           <a:noFill/>
+          <a:ln w="9525">
+            <a:solidFill>
+              <a:srgbClr val="000000"/>
+            </a:solidFill>
+            <a:miter lim="800000"/>
+            <a:headEnd/>
+            <a:tailEnd/>
+          </a:ln>
           <a:extLst>
             <a:ext uri="{909E8E84-426E-40DD-AFC4-6F175D3DCCD1}">
               <a14:hiddenFill xmlns:a14="http://schemas.microsoft.com/office/drawing/2010/main">
@@ -41043,10 +40432,479 @@
           </a:extLst>
         </p:spPr>
       </p:pic>
+      <p:sp>
+        <p:nvSpPr>
+          <p:cNvPr id="251907" name="Line 72"/>
+          <p:cNvSpPr>
+            <a:spLocks noChangeShapeType="1"/>
+          </p:cNvSpPr>
+          <p:nvPr/>
+        </p:nvSpPr>
+        <p:spPr bwMode="auto">
+          <a:xfrm>
+            <a:off x="1104900" y="2152650"/>
+            <a:ext cx="9525" cy="3943350"/>
+          </a:xfrm>
+          <a:prstGeom prst="line">
+            <a:avLst/>
+          </a:prstGeom>
+          <a:noFill/>
+          <a:ln w="38100">
+            <a:solidFill>
+              <a:srgbClr val="000000"/>
+            </a:solidFill>
+            <a:round/>
+            <a:headEnd/>
+            <a:tailEnd type="triangle" w="med" len="med"/>
+          </a:ln>
+          <a:extLst>
+            <a:ext uri="{909E8E84-426E-40DD-AFC4-6F175D3DCCD1}">
+              <a14:hiddenFill xmlns:a14="http://schemas.microsoft.com/office/drawing/2010/main">
+                <a:noFill/>
+              </a14:hiddenFill>
+            </a:ext>
+          </a:extLst>
+        </p:spPr>
+        <p:txBody>
+          <a:bodyPr/>
+          <a:lstStyle/>
+          <a:p>
+            <a:pPr eaLnBrk="0" fontAlgn="base" hangingPunct="0">
+              <a:spcBef>
+                <a:spcPct val="0"/>
+              </a:spcBef>
+              <a:spcAft>
+                <a:spcPct val="0"/>
+              </a:spcAft>
+            </a:pPr>
+            <a:endParaRPr lang="en-US" sz="2400" b="1">
+              <a:solidFill>
+                <a:srgbClr val="000000"/>
+              </a:solidFill>
+              <a:latin typeface="Calibri" panose="020F0502020204030204" pitchFamily="34" charset="0"/>
+            </a:endParaRPr>
+          </a:p>
+        </p:txBody>
+      </p:sp>
+      <p:sp>
+        <p:nvSpPr>
+          <p:cNvPr id="251908" name="Title 1"/>
+          <p:cNvSpPr>
+            <a:spLocks noGrp="1"/>
+          </p:cNvSpPr>
+          <p:nvPr>
+            <p:ph type="title" idx="4294967295"/>
+          </p:nvPr>
+        </p:nvSpPr>
+        <p:spPr>
+          <a:xfrm>
+            <a:off x="65087" y="76200"/>
+            <a:ext cx="8926513" cy="954088"/>
+          </a:xfrm>
+          <a:prstGeom prst="rect">
+            <a:avLst/>
+          </a:prstGeom>
+        </p:spPr>
+        <p:txBody>
+          <a:bodyPr/>
+          <a:lstStyle/>
+          <a:p>
+            <a:pPr algn="l" eaLnBrk="1" hangingPunct="1"/>
+            <a:r>
+              <a:rPr lang="en-US" sz="2800" b="1" dirty="0">
+                <a:solidFill>
+                  <a:srgbClr val="000000"/>
+                </a:solidFill>
+                <a:latin typeface="Calibri" panose="020F0502020204030204" pitchFamily="34" charset="0"/>
+              </a:rPr>
+              <a:t>Since its construction in 1952, traffic across the bridge</a:t>
+            </a:r>
+            <a:br>
+              <a:rPr lang="en-US" sz="2800" b="1" dirty="0">
+                <a:solidFill>
+                  <a:srgbClr val="000000"/>
+                </a:solidFill>
+                <a:latin typeface="Calibri" panose="020F0502020204030204" pitchFamily="34" charset="0"/>
+              </a:rPr>
+            </a:br>
+            <a:r>
+              <a:rPr lang="en-US" sz="2800" b="1" dirty="0">
+                <a:solidFill>
+                  <a:srgbClr val="000000"/>
+                </a:solidFill>
+                <a:latin typeface="Calibri" panose="020F0502020204030204" pitchFamily="34" charset="0"/>
+              </a:rPr>
+              <a:t>has grown exponentially</a:t>
+            </a:r>
+          </a:p>
+        </p:txBody>
+      </p:sp>
+      <p:sp>
+        <p:nvSpPr>
+          <p:cNvPr id="251910" name="Text Box 59"/>
+          <p:cNvSpPr txBox="1">
+            <a:spLocks noChangeArrowheads="1"/>
+          </p:cNvSpPr>
+          <p:nvPr/>
+        </p:nvSpPr>
+        <p:spPr bwMode="auto">
+          <a:xfrm>
+            <a:off x="-4763" y="1609725"/>
+            <a:ext cx="2214563" cy="708025"/>
+          </a:xfrm>
+          <a:prstGeom prst="rect">
+            <a:avLst/>
+          </a:prstGeom>
+          <a:solidFill>
+            <a:schemeClr val="bg1"/>
+          </a:solidFill>
+          <a:ln>
+            <a:noFill/>
+          </a:ln>
+        </p:spPr>
+        <p:txBody>
+          <a:bodyPr wrap="none">
+            <a:spAutoFit/>
+          </a:bodyPr>
+          <a:lstStyle>
+            <a:lvl1pPr eaLnBrk="0" hangingPunct="0">
+              <a:defRPr sz="2000" b="1">
+                <a:solidFill>
+                  <a:schemeClr val="tx1"/>
+                </a:solidFill>
+                <a:latin typeface="Calibri" pitchFamily="34" charset="0"/>
+              </a:defRPr>
+            </a:lvl1pPr>
+            <a:lvl2pPr marL="742950" indent="-285750" eaLnBrk="0" hangingPunct="0">
+              <a:defRPr sz="2000" b="1">
+                <a:solidFill>
+                  <a:schemeClr val="tx1"/>
+                </a:solidFill>
+                <a:latin typeface="Calibri" pitchFamily="34" charset="0"/>
+              </a:defRPr>
+            </a:lvl2pPr>
+            <a:lvl3pPr marL="1143000" indent="-228600" eaLnBrk="0" hangingPunct="0">
+              <a:defRPr sz="2000" b="1">
+                <a:solidFill>
+                  <a:schemeClr val="tx1"/>
+                </a:solidFill>
+                <a:latin typeface="Calibri" pitchFamily="34" charset="0"/>
+              </a:defRPr>
+            </a:lvl3pPr>
+            <a:lvl4pPr marL="1600200" indent="-228600" eaLnBrk="0" hangingPunct="0">
+              <a:defRPr sz="2000" b="1">
+                <a:solidFill>
+                  <a:schemeClr val="tx1"/>
+                </a:solidFill>
+                <a:latin typeface="Calibri" pitchFamily="34" charset="0"/>
+              </a:defRPr>
+            </a:lvl4pPr>
+            <a:lvl5pPr marL="2057400" indent="-228600" eaLnBrk="0" hangingPunct="0">
+              <a:defRPr sz="2000" b="1">
+                <a:solidFill>
+                  <a:schemeClr val="tx1"/>
+                </a:solidFill>
+                <a:latin typeface="Calibri" pitchFamily="34" charset="0"/>
+              </a:defRPr>
+            </a:lvl5pPr>
+            <a:lvl6pPr marL="2514600" indent="-228600" eaLnBrk="0" fontAlgn="base" hangingPunct="0">
+              <a:spcBef>
+                <a:spcPct val="0"/>
+              </a:spcBef>
+              <a:spcAft>
+                <a:spcPct val="0"/>
+              </a:spcAft>
+              <a:defRPr sz="2000" b="1">
+                <a:solidFill>
+                  <a:schemeClr val="tx1"/>
+                </a:solidFill>
+                <a:latin typeface="Calibri" pitchFamily="34" charset="0"/>
+              </a:defRPr>
+            </a:lvl6pPr>
+            <a:lvl7pPr marL="2971800" indent="-228600" eaLnBrk="0" fontAlgn="base" hangingPunct="0">
+              <a:spcBef>
+                <a:spcPct val="0"/>
+              </a:spcBef>
+              <a:spcAft>
+                <a:spcPct val="0"/>
+              </a:spcAft>
+              <a:defRPr sz="2000" b="1">
+                <a:solidFill>
+                  <a:schemeClr val="tx1"/>
+                </a:solidFill>
+                <a:latin typeface="Calibri" pitchFamily="34" charset="0"/>
+              </a:defRPr>
+            </a:lvl7pPr>
+            <a:lvl8pPr marL="3429000" indent="-228600" eaLnBrk="0" fontAlgn="base" hangingPunct="0">
+              <a:spcBef>
+                <a:spcPct val="0"/>
+              </a:spcBef>
+              <a:spcAft>
+                <a:spcPct val="0"/>
+              </a:spcAft>
+              <a:defRPr sz="2000" b="1">
+                <a:solidFill>
+                  <a:schemeClr val="tx1"/>
+                </a:solidFill>
+                <a:latin typeface="Calibri" pitchFamily="34" charset="0"/>
+              </a:defRPr>
+            </a:lvl8pPr>
+            <a:lvl9pPr marL="3886200" indent="-228600" eaLnBrk="0" fontAlgn="base" hangingPunct="0">
+              <a:spcBef>
+                <a:spcPct val="0"/>
+              </a:spcBef>
+              <a:spcAft>
+                <a:spcPct val="0"/>
+              </a:spcAft>
+              <a:defRPr sz="2000" b="1">
+                <a:solidFill>
+                  <a:schemeClr val="tx1"/>
+                </a:solidFill>
+                <a:latin typeface="Calibri" pitchFamily="34" charset="0"/>
+              </a:defRPr>
+            </a:lvl9pPr>
+          </a:lstStyle>
+          <a:p>
+            <a:pPr algn="ctr" eaLnBrk="1" fontAlgn="base" hangingPunct="1">
+              <a:spcBef>
+                <a:spcPct val="0"/>
+              </a:spcBef>
+              <a:spcAft>
+                <a:spcPct val="0"/>
+              </a:spcAft>
+            </a:pPr>
+            <a:r>
+              <a:rPr lang="en-US">
+                <a:solidFill>
+                  <a:srgbClr val="000000"/>
+                </a:solidFill>
+              </a:rPr>
+              <a:t>1952</a:t>
+            </a:r>
+          </a:p>
+          <a:p>
+            <a:pPr algn="ctr" eaLnBrk="1" fontAlgn="base" hangingPunct="1">
+              <a:spcBef>
+                <a:spcPct val="0"/>
+              </a:spcBef>
+              <a:spcAft>
+                <a:spcPct val="0"/>
+              </a:spcAft>
+            </a:pPr>
+            <a:r>
+              <a:rPr lang="en-US">
+                <a:solidFill>
+                  <a:srgbClr val="000000"/>
+                </a:solidFill>
+              </a:rPr>
+              <a:t>1.1 million vehicles</a:t>
+            </a:r>
+          </a:p>
+        </p:txBody>
+      </p:sp>
+      <p:pic>
+        <p:nvPicPr>
+          <p:cNvPr id="251911" name="Picture 6" descr="http://image.classictrucks.com/f/35771946/1103clt_14_o+1952_ford_f1+drivers_side.jpg"/>
+          <p:cNvPicPr>
+            <a:picLocks noChangeAspect="1" noChangeArrowheads="1"/>
+          </p:cNvPicPr>
+          <p:nvPr/>
+        </p:nvPicPr>
+        <p:blipFill>
+          <a:blip r:embed="rId4" cstate="print">
+            <a:extLst>
+              <a:ext uri="{28A0092B-C50C-407E-A947-70E740481C1C}">
+                <a14:useLocalDpi xmlns:a14="http://schemas.microsoft.com/office/drawing/2010/main" val="0"/>
+              </a:ext>
+            </a:extLst>
+          </a:blip>
+          <a:srcRect/>
+          <a:stretch>
+            <a:fillRect/>
+          </a:stretch>
+        </p:blipFill>
+        <p:spPr bwMode="auto">
+          <a:xfrm>
+            <a:off x="4114800" y="1600200"/>
+            <a:ext cx="85725" cy="819150"/>
+          </a:xfrm>
+          <a:prstGeom prst="rect">
+            <a:avLst/>
+          </a:prstGeom>
+          <a:noFill/>
+          <a:ln>
+            <a:noFill/>
+          </a:ln>
+          <a:extLst>
+            <a:ext uri="{909E8E84-426E-40DD-AFC4-6F175D3DCCD1}">
+              <a14:hiddenFill xmlns:a14="http://schemas.microsoft.com/office/drawing/2010/main">
+                <a:solidFill>
+                  <a:srgbClr val="FFFFFF"/>
+                </a:solidFill>
+              </a14:hiddenFill>
+            </a:ext>
+            <a:ext uri="{91240B29-F687-4F45-9708-019B960494DF}">
+              <a14:hiddenLine xmlns:a14="http://schemas.microsoft.com/office/drawing/2010/main" w="9525">
+                <a:solidFill>
+                  <a:srgbClr val="000000"/>
+                </a:solidFill>
+                <a:miter lim="800000"/>
+                <a:headEnd/>
+                <a:tailEnd/>
+              </a14:hiddenLine>
+            </a:ext>
+          </a:extLst>
+        </p:spPr>
+      </p:pic>
+      <p:pic>
+        <p:nvPicPr>
+          <p:cNvPr id="251913" name="Picture 8" descr="Bay Bridge"/>
+          <p:cNvPicPr>
+            <a:picLocks noChangeAspect="1" noChangeArrowheads="1"/>
+          </p:cNvPicPr>
+          <p:nvPr/>
+        </p:nvPicPr>
+        <p:blipFill>
+          <a:blip r:embed="rId5" cstate="print">
+            <a:extLst>
+              <a:ext uri="{28A0092B-C50C-407E-A947-70E740481C1C}">
+                <a14:useLocalDpi xmlns:a14="http://schemas.microsoft.com/office/drawing/2010/main" val="0"/>
+              </a:ext>
+            </a:extLst>
+          </a:blip>
+          <a:srcRect/>
+          <a:stretch>
+            <a:fillRect/>
+          </a:stretch>
+        </p:blipFill>
+        <p:spPr bwMode="auto">
+          <a:xfrm>
+            <a:off x="5081588" y="3290888"/>
+            <a:ext cx="3367087" cy="2643187"/>
+          </a:xfrm>
+          <a:prstGeom prst="rect">
+            <a:avLst/>
+          </a:prstGeom>
+          <a:noFill/>
+          <a:ln w="9525">
+            <a:solidFill>
+              <a:srgbClr val="000000"/>
+            </a:solidFill>
+            <a:miter lim="800000"/>
+            <a:headEnd/>
+            <a:tailEnd/>
+          </a:ln>
+          <a:extLst>
+            <a:ext uri="{909E8E84-426E-40DD-AFC4-6F175D3DCCD1}">
+              <a14:hiddenFill xmlns:a14="http://schemas.microsoft.com/office/drawing/2010/main">
+                <a:solidFill>
+                  <a:srgbClr val="FFFFFF"/>
+                </a:solidFill>
+              </a14:hiddenFill>
+            </a:ext>
+          </a:extLst>
+        </p:spPr>
+      </p:pic>
+      <p:sp>
+        <p:nvSpPr>
+          <p:cNvPr id="12" name="Rectangle 64"/>
+          <p:cNvSpPr>
+            <a:spLocks noChangeArrowheads="1"/>
+          </p:cNvSpPr>
+          <p:nvPr/>
+        </p:nvSpPr>
+        <p:spPr bwMode="auto">
+          <a:xfrm>
+            <a:off x="2590800" y="6553200"/>
+            <a:ext cx="3352800" cy="304800"/>
+          </a:xfrm>
+          <a:prstGeom prst="rect">
+            <a:avLst/>
+          </a:prstGeom>
+          <a:noFill/>
+          <a:ln>
+            <a:noFill/>
+          </a:ln>
+          <a:extLst>
+            <a:ext uri="{909E8E84-426E-40DD-AFC4-6F175D3DCCD1}">
+              <a14:hiddenFill xmlns:a14="http://schemas.microsoft.com/office/drawing/2010/main">
+                <a:solidFill>
+                  <a:srgbClr val="FFFFFF"/>
+                </a:solidFill>
+              </a14:hiddenFill>
+            </a:ext>
+            <a:ext uri="{91240B29-F687-4F45-9708-019B960494DF}">
+              <a14:hiddenLine xmlns:a14="http://schemas.microsoft.com/office/drawing/2010/main" w="9525">
+                <a:solidFill>
+                  <a:srgbClr val="000000"/>
+                </a:solidFill>
+                <a:miter lim="800000"/>
+                <a:headEnd/>
+                <a:tailEnd/>
+              </a14:hiddenLine>
+            </a:ext>
+          </a:extLst>
+        </p:spPr>
+        <p:txBody>
+          <a:bodyPr wrap="none">
+            <a:spAutoFit/>
+          </a:bodyPr>
+          <a:lstStyle/>
+          <a:p>
+            <a:pPr algn="r"/>
+            <a:r>
+              <a:rPr lang="en-US" sz="1400" b="0" dirty="0"/>
+              <a:t>[Maryland Transportation Authority, 2007]</a:t>
+            </a:r>
+          </a:p>
+        </p:txBody>
+      </p:sp>
+      <p:sp>
+        <p:nvSpPr>
+          <p:cNvPr id="9" name="Rectangle 8"/>
+          <p:cNvSpPr/>
+          <p:nvPr/>
+        </p:nvSpPr>
+        <p:spPr>
+          <a:xfrm>
+            <a:off x="0" y="0"/>
+            <a:ext cx="9144000" cy="6858000"/>
+          </a:xfrm>
+          <a:prstGeom prst="rect">
+            <a:avLst/>
+          </a:prstGeom>
+          <a:noFill/>
+          <a:ln w="28575"/>
+        </p:spPr>
+        <p:style>
+          <a:lnRef idx="2">
+            <a:schemeClr val="accent1">
+              <a:shade val="50000"/>
+            </a:schemeClr>
+          </a:lnRef>
+          <a:fillRef idx="1">
+            <a:schemeClr val="accent1"/>
+          </a:fillRef>
+          <a:effectRef idx="0">
+            <a:schemeClr val="accent1"/>
+          </a:effectRef>
+          <a:fontRef idx="minor">
+            <a:schemeClr val="lt1"/>
+          </a:fontRef>
+        </p:style>
+        <p:txBody>
+          <a:bodyPr rtlCol="0" anchor="ctr"/>
+          <a:lstStyle/>
+          <a:p>
+            <a:pPr algn="ctr"/>
+            <a:endParaRPr lang="en-US"/>
+          </a:p>
+        </p:txBody>
+      </p:sp>
     </p:spTree>
     <p:extLst>
       <p:ext uri="{BB962C8B-B14F-4D97-AF65-F5344CB8AC3E}">
-        <p14:creationId xmlns:p14="http://schemas.microsoft.com/office/powerpoint/2010/main" val="3010447842"/>
+        <p14:creationId xmlns:p14="http://schemas.microsoft.com/office/powerpoint/2010/main" val="2322161148"/>
       </p:ext>
     </p:extLst>
   </p:cSld>
